--- a/GA_RF/基因演算法控制隨機森林使用說明.pptx
+++ b/GA_RF/基因演算法控制隨機森林使用說明.pptx
@@ -15,7 +15,7 @@
     <p:sldId id="356" r:id="rId3"/>
     <p:sldId id="348" r:id="rId4"/>
     <p:sldId id="358" r:id="rId5"/>
-    <p:sldId id="357" r:id="rId6"/>
+    <p:sldId id="364" r:id="rId6"/>
     <p:sldId id="359" r:id="rId7"/>
     <p:sldId id="361" r:id="rId8"/>
     <p:sldId id="363" r:id="rId9"/>
@@ -171,7 +171,7 @@
             <p14:sldId id="356"/>
             <p14:sldId id="348"/>
             <p14:sldId id="358"/>
-            <p14:sldId id="357"/>
+            <p14:sldId id="364"/>
             <p14:sldId id="359"/>
             <p14:sldId id="361"/>
             <p14:sldId id="363"/>
@@ -328,7 +328,7 @@
               <a:pPr>
                 <a:defRPr/>
               </a:pPr>
-              <a:t>2024/8/9</a:t>
+              <a:t>2024/8/14</a:t>
             </a:fld>
             <a:endParaRPr lang="zh-TW" altLang="en-US"/>
           </a:p>
@@ -550,7 +550,7 @@
               <a:pPr>
                 <a:defRPr/>
               </a:pPr>
-              <a:t>2024/8/9</a:t>
+              <a:t>2024/8/14</a:t>
             </a:fld>
             <a:endParaRPr lang="zh-TW" altLang="en-US"/>
           </a:p>
@@ -2146,7 +2146,7 @@
               <a:pPr>
                 <a:defRPr/>
               </a:pPr>
-              <a:t>2024/8/9</a:t>
+              <a:t>2024/8/14</a:t>
             </a:fld>
             <a:endParaRPr lang="zh-TW" altLang="en-US"/>
           </a:p>
@@ -4214,8 +4214,9 @@
             </a:r>
             <a:r>
               <a:rPr lang="en-US" altLang="zh-TW" sz="2400" dirty="0">
-                <a:latin typeface="標楷體" panose="03000509000000000000" pitchFamily="65" charset="-120"/>
-                <a:ea typeface="標楷體" panose="03000509000000000000" pitchFamily="65" charset="-120"/>
+                <a:latin typeface="Times New Roman" panose="02020603050405020304" pitchFamily="18" charset="0"/>
+                <a:ea typeface="標楷體" panose="03000509000000000000" pitchFamily="65" charset="-120"/>
+                <a:cs typeface="Times New Roman" panose="02020603050405020304" pitchFamily="18" charset="0"/>
               </a:rPr>
               <a:t>data</a:t>
             </a:r>
@@ -4248,8 +4249,9 @@
             </a:pPr>
             <a:r>
               <a:rPr lang="en-US" altLang="zh-TW" sz="2000" dirty="0">
-                <a:latin typeface="標楷體" panose="03000509000000000000" pitchFamily="65" charset="-120"/>
-                <a:ea typeface="標楷體" panose="03000509000000000000" pitchFamily="65" charset="-120"/>
+                <a:latin typeface="Times New Roman" panose="02020603050405020304" pitchFamily="18" charset="0"/>
+                <a:ea typeface="標楷體" panose="03000509000000000000" pitchFamily="65" charset="-120"/>
+                <a:cs typeface="Times New Roman" panose="02020603050405020304" pitchFamily="18" charset="0"/>
               </a:rPr>
               <a:t>input</a:t>
             </a:r>
@@ -4275,43 +4277,64 @@
             </a:pPr>
             <a:r>
               <a:rPr lang="en-US" altLang="zh-TW" sz="2000" dirty="0" err="1">
-                <a:latin typeface="標楷體" panose="03000509000000000000" pitchFamily="65" charset="-120"/>
-                <a:ea typeface="標楷體" panose="03000509000000000000" pitchFamily="65" charset="-120"/>
+                <a:latin typeface="Times New Roman" panose="02020603050405020304" pitchFamily="18" charset="0"/>
+                <a:ea typeface="標楷體" panose="03000509000000000000" pitchFamily="65" charset="-120"/>
+                <a:cs typeface="Times New Roman" panose="02020603050405020304" pitchFamily="18" charset="0"/>
               </a:rPr>
               <a:t>ga_input</a:t>
             </a:r>
             <a:r>
               <a:rPr lang="en-US" altLang="zh-TW" sz="2000" dirty="0">
-                <a:latin typeface="標楷體" panose="03000509000000000000" pitchFamily="65" charset="-120"/>
-                <a:ea typeface="標楷體" panose="03000509000000000000" pitchFamily="65" charset="-120"/>
-              </a:rPr>
-              <a:t> = [20</a:t>
+                <a:latin typeface="Times New Roman" panose="02020603050405020304" pitchFamily="18" charset="0"/>
+                <a:ea typeface="標楷體" panose="03000509000000000000" pitchFamily="65" charset="-120"/>
+                <a:cs typeface="Times New Roman" panose="02020603050405020304" pitchFamily="18" charset="0"/>
+              </a:rPr>
+              <a:t> </a:t>
+            </a:r>
+            <a:r>
+              <a:rPr lang="en-US" altLang="zh-TW" sz="2000" dirty="0">
+                <a:latin typeface="標楷體" panose="03000509000000000000" pitchFamily="65" charset="-120"/>
+                <a:ea typeface="標楷體" panose="03000509000000000000" pitchFamily="65" charset="-120"/>
+              </a:rPr>
+              <a:t>= </a:t>
+            </a:r>
+            <a:r>
+              <a:rPr lang="en-US" altLang="zh-TW" sz="2000" dirty="0">
+                <a:latin typeface="Times New Roman" panose="02020603050405020304" pitchFamily="18" charset="0"/>
+                <a:ea typeface="標楷體" panose="03000509000000000000" pitchFamily="65" charset="-120"/>
+                <a:cs typeface="Times New Roman" panose="02020603050405020304" pitchFamily="18" charset="0"/>
+              </a:rPr>
+              <a:t>[20</a:t>
             </a:r>
             <a:r>
               <a:rPr lang="zh-TW" altLang="en-US" sz="2000" dirty="0">
-                <a:latin typeface="標楷體" panose="03000509000000000000" pitchFamily="65" charset="-120"/>
-                <a:ea typeface="標楷體" panose="03000509000000000000" pitchFamily="65" charset="-120"/>
+                <a:latin typeface="Times New Roman" panose="02020603050405020304" pitchFamily="18" charset="0"/>
+                <a:ea typeface="標楷體" panose="03000509000000000000" pitchFamily="65" charset="-120"/>
+                <a:cs typeface="Times New Roman" panose="02020603050405020304" pitchFamily="18" charset="0"/>
               </a:rPr>
               <a:t> </a:t>
             </a:r>
             <a:r>
               <a:rPr lang="en-US" altLang="zh-TW" sz="2000" dirty="0">
-                <a:latin typeface="標楷體" panose="03000509000000000000" pitchFamily="65" charset="-120"/>
-                <a:ea typeface="標楷體" panose="03000509000000000000" pitchFamily="65" charset="-120"/>
+                <a:latin typeface="Times New Roman" panose="02020603050405020304" pitchFamily="18" charset="0"/>
+                <a:ea typeface="標楷體" panose="03000509000000000000" pitchFamily="65" charset="-120"/>
+                <a:cs typeface="Times New Roman" panose="02020603050405020304" pitchFamily="18" charset="0"/>
               </a:rPr>
               <a:t>300</a:t>
             </a:r>
             <a:r>
               <a:rPr lang="zh-TW" altLang="en-US" sz="2000" dirty="0">
-                <a:latin typeface="標楷體" panose="03000509000000000000" pitchFamily="65" charset="-120"/>
-                <a:ea typeface="標楷體" panose="03000509000000000000" pitchFamily="65" charset="-120"/>
+                <a:latin typeface="Times New Roman" panose="02020603050405020304" pitchFamily="18" charset="0"/>
+                <a:ea typeface="標楷體" panose="03000509000000000000" pitchFamily="65" charset="-120"/>
+                <a:cs typeface="Times New Roman" panose="02020603050405020304" pitchFamily="18" charset="0"/>
               </a:rPr>
               <a:t> </a:t>
             </a:r>
             <a:r>
               <a:rPr lang="en-US" altLang="zh-TW" sz="2000" dirty="0">
-                <a:latin typeface="標楷體" panose="03000509000000000000" pitchFamily="65" charset="-120"/>
-                <a:ea typeface="標楷體" panose="03000509000000000000" pitchFamily="65" charset="-120"/>
+                <a:latin typeface="Times New Roman" panose="02020603050405020304" pitchFamily="18" charset="0"/>
+                <a:ea typeface="標楷體" panose="03000509000000000000" pitchFamily="65" charset="-120"/>
+                <a:cs typeface="Times New Roman" panose="02020603050405020304" pitchFamily="18" charset="0"/>
               </a:rPr>
               <a:t>0.7]</a:t>
             </a:r>
@@ -4348,8 +4371,9 @@
                 <a:solidFill>
                   <a:srgbClr val="00B050"/>
                 </a:solidFill>
-                <a:latin typeface="標楷體" panose="03000509000000000000" pitchFamily="65" charset="-120"/>
-                <a:ea typeface="標楷體" panose="03000509000000000000" pitchFamily="65" charset="-120"/>
+                <a:latin typeface="Times New Roman" panose="02020603050405020304" pitchFamily="18" charset="0"/>
+                <a:ea typeface="標楷體" panose="03000509000000000000" pitchFamily="65" charset="-120"/>
+                <a:cs typeface="Times New Roman" panose="02020603050405020304" pitchFamily="18" charset="0"/>
               </a:rPr>
               <a:t>int</a:t>
             </a:r>
@@ -4365,8 +4389,9 @@
                 <a:solidFill>
                   <a:srgbClr val="00B050"/>
                 </a:solidFill>
-                <a:latin typeface="標楷體" panose="03000509000000000000" pitchFamily="65" charset="-120"/>
-                <a:ea typeface="標楷體" panose="03000509000000000000" pitchFamily="65" charset="-120"/>
+                <a:latin typeface="Times New Roman" panose="02020603050405020304" pitchFamily="18" charset="0"/>
+                <a:ea typeface="標楷體" panose="03000509000000000000" pitchFamily="65" charset="-120"/>
+                <a:cs typeface="Times New Roman" panose="02020603050405020304" pitchFamily="18" charset="0"/>
               </a:rPr>
               <a:t>int</a:t>
             </a:r>
@@ -4382,8 +4407,9 @@
                 <a:solidFill>
                   <a:srgbClr val="00B0F0"/>
                 </a:solidFill>
-                <a:latin typeface="標楷體" panose="03000509000000000000" pitchFamily="65" charset="-120"/>
-                <a:ea typeface="標楷體" panose="03000509000000000000" pitchFamily="65" charset="-120"/>
+                <a:latin typeface="Times New Roman" panose="02020603050405020304" pitchFamily="18" charset="0"/>
+                <a:ea typeface="標楷體" panose="03000509000000000000" pitchFamily="65" charset="-120"/>
+                <a:cs typeface="Times New Roman" panose="02020603050405020304" pitchFamily="18" charset="0"/>
               </a:rPr>
               <a:t>float</a:t>
             </a:r>
@@ -4403,22 +4429,25 @@
             </a:r>
             <a:r>
               <a:rPr lang="en-US" altLang="zh-TW" sz="2000" dirty="0">
-                <a:latin typeface="標楷體" panose="03000509000000000000" pitchFamily="65" charset="-120"/>
-                <a:ea typeface="標楷體" panose="03000509000000000000" pitchFamily="65" charset="-120"/>
+                <a:latin typeface="Times New Roman" panose="02020603050405020304" pitchFamily="18" charset="0"/>
+                <a:ea typeface="標楷體" panose="03000509000000000000" pitchFamily="65" charset="-120"/>
+                <a:cs typeface="Times New Roman" panose="02020603050405020304" pitchFamily="18" charset="0"/>
               </a:rPr>
               <a:t>1</a:t>
             </a:r>
             <a:r>
               <a:rPr lang="zh-TW" altLang="en-US" sz="2000" dirty="0">
-                <a:latin typeface="標楷體" panose="03000509000000000000" pitchFamily="65" charset="-120"/>
-                <a:ea typeface="標楷體" panose="03000509000000000000" pitchFamily="65" charset="-120"/>
+                <a:latin typeface="Times New Roman" panose="02020603050405020304" pitchFamily="18" charset="0"/>
+                <a:ea typeface="標楷體" panose="03000509000000000000" pitchFamily="65" charset="-120"/>
+                <a:cs typeface="Times New Roman" panose="02020603050405020304" pitchFamily="18" charset="0"/>
               </a:rPr>
               <a:t>*</a:t>
             </a:r>
             <a:r>
               <a:rPr lang="en-US" altLang="zh-TW" sz="2000" dirty="0">
-                <a:latin typeface="標楷體" panose="03000509000000000000" pitchFamily="65" charset="-120"/>
-                <a:ea typeface="標楷體" panose="03000509000000000000" pitchFamily="65" charset="-120"/>
+                <a:latin typeface="Times New Roman" panose="02020603050405020304" pitchFamily="18" charset="0"/>
+                <a:ea typeface="標楷體" panose="03000509000000000000" pitchFamily="65" charset="-120"/>
+                <a:cs typeface="Times New Roman" panose="02020603050405020304" pitchFamily="18" charset="0"/>
               </a:rPr>
               <a:t>3</a:t>
             </a:r>
@@ -4566,36 +4595,41 @@
             </a:pPr>
             <a:r>
               <a:rPr lang="en-US" altLang="zh-TW" sz="2000" dirty="0" err="1">
-                <a:latin typeface="標楷體" panose="03000509000000000000" pitchFamily="65" charset="-120"/>
-                <a:ea typeface="標楷體" panose="03000509000000000000" pitchFamily="65" charset="-120"/>
+                <a:latin typeface="Times New Roman" panose="02020603050405020304" pitchFamily="18" charset="0"/>
+                <a:ea typeface="標楷體" panose="03000509000000000000" pitchFamily="65" charset="-120"/>
+                <a:cs typeface="Times New Roman" panose="02020603050405020304" pitchFamily="18" charset="0"/>
               </a:rPr>
               <a:t>numFeats</a:t>
             </a:r>
             <a:r>
               <a:rPr lang="en-US" altLang="zh-TW" sz="2000" dirty="0">
-                <a:latin typeface="標楷體" panose="03000509000000000000" pitchFamily="65" charset="-120"/>
-                <a:ea typeface="標楷體" panose="03000509000000000000" pitchFamily="65" charset="-120"/>
+                <a:latin typeface="Times New Roman" panose="02020603050405020304" pitchFamily="18" charset="0"/>
+                <a:ea typeface="標楷體" panose="03000509000000000000" pitchFamily="65" charset="-120"/>
+                <a:cs typeface="Times New Roman" panose="02020603050405020304" pitchFamily="18" charset="0"/>
               </a:rPr>
               <a:t> =</a:t>
             </a:r>
             <a:r>
               <a:rPr lang="zh-TW" altLang="en-US" sz="2000" dirty="0">
-                <a:latin typeface="標楷體" panose="03000509000000000000" pitchFamily="65" charset="-120"/>
-                <a:ea typeface="標楷體" panose="03000509000000000000" pitchFamily="65" charset="-120"/>
+                <a:latin typeface="Times New Roman" panose="02020603050405020304" pitchFamily="18" charset="0"/>
+                <a:ea typeface="標楷體" panose="03000509000000000000" pitchFamily="65" charset="-120"/>
+                <a:cs typeface="Times New Roman" panose="02020603050405020304" pitchFamily="18" charset="0"/>
               </a:rPr>
               <a:t> </a:t>
             </a:r>
             <a:r>
               <a:rPr lang="en-US" altLang="zh-TW" sz="2000" dirty="0">
-                <a:latin typeface="標楷體" panose="03000509000000000000" pitchFamily="65" charset="-120"/>
-                <a:ea typeface="標楷體" panose="03000509000000000000" pitchFamily="65" charset="-120"/>
+                <a:latin typeface="Times New Roman" panose="02020603050405020304" pitchFamily="18" charset="0"/>
+                <a:ea typeface="標楷體" panose="03000509000000000000" pitchFamily="65" charset="-120"/>
+                <a:cs typeface="Times New Roman" panose="02020603050405020304" pitchFamily="18" charset="0"/>
               </a:rPr>
               <a:t>30</a:t>
             </a:r>
             <a:r>
               <a:rPr lang="zh-TW" altLang="en-US" sz="2000" dirty="0">
-                <a:latin typeface="標楷體" panose="03000509000000000000" pitchFamily="65" charset="-120"/>
-                <a:ea typeface="標楷體" panose="03000509000000000000" pitchFamily="65" charset="-120"/>
+                <a:latin typeface="Times New Roman" panose="02020603050405020304" pitchFamily="18" charset="0"/>
+                <a:ea typeface="標楷體" panose="03000509000000000000" pitchFamily="65" charset="-120"/>
+                <a:cs typeface="Times New Roman" panose="02020603050405020304" pitchFamily="18" charset="0"/>
               </a:rPr>
               <a:t> </a:t>
             </a:r>
@@ -4625,8 +4659,9 @@
                 <a:solidFill>
                   <a:srgbClr val="00B050"/>
                 </a:solidFill>
-                <a:latin typeface="標楷體" panose="03000509000000000000" pitchFamily="65" charset="-120"/>
-                <a:ea typeface="標楷體" panose="03000509000000000000" pitchFamily="65" charset="-120"/>
+                <a:latin typeface="Times New Roman" panose="02020603050405020304" pitchFamily="18" charset="0"/>
+                <a:ea typeface="標楷體" panose="03000509000000000000" pitchFamily="65" charset="-120"/>
+                <a:cs typeface="Times New Roman" panose="02020603050405020304" pitchFamily="18" charset="0"/>
               </a:rPr>
               <a:t>int</a:t>
             </a:r>
@@ -4663,8 +4698,9 @@
             </a:r>
             <a:r>
               <a:rPr lang="en-US" altLang="zh-TW" sz="2000" dirty="0">
-                <a:latin typeface="標楷體" panose="03000509000000000000" pitchFamily="65" charset="-120"/>
-                <a:ea typeface="標楷體" panose="03000509000000000000" pitchFamily="65" charset="-120"/>
+                <a:latin typeface="Times New Roman" panose="02020603050405020304" pitchFamily="18" charset="0"/>
+                <a:ea typeface="標楷體" panose="03000509000000000000" pitchFamily="65" charset="-120"/>
+                <a:cs typeface="Times New Roman" panose="02020603050405020304" pitchFamily="18" charset="0"/>
               </a:rPr>
               <a:t>0</a:t>
             </a:r>
@@ -4687,64 +4723,73 @@
             </a:pPr>
             <a:r>
               <a:rPr lang="en-US" altLang="zh-TW" sz="2000" dirty="0" err="1">
-                <a:latin typeface="標楷體" panose="03000509000000000000" pitchFamily="65" charset="-120"/>
-                <a:ea typeface="標楷體" panose="03000509000000000000" pitchFamily="65" charset="-120"/>
+                <a:latin typeface="Times New Roman" panose="02020603050405020304" pitchFamily="18" charset="0"/>
+                <a:ea typeface="標楷體" panose="03000509000000000000" pitchFamily="65" charset="-120"/>
+                <a:cs typeface="Times New Roman" panose="02020603050405020304" pitchFamily="18" charset="0"/>
               </a:rPr>
               <a:t>lb_input</a:t>
             </a:r>
             <a:r>
               <a:rPr lang="en-US" altLang="zh-TW" sz="2000" dirty="0">
-                <a:latin typeface="標楷體" panose="03000509000000000000" pitchFamily="65" charset="-120"/>
-                <a:ea typeface="標楷體" panose="03000509000000000000" pitchFamily="65" charset="-120"/>
+                <a:latin typeface="Times New Roman" panose="02020603050405020304" pitchFamily="18" charset="0"/>
+                <a:ea typeface="標楷體" panose="03000509000000000000" pitchFamily="65" charset="-120"/>
+                <a:cs typeface="Times New Roman" panose="02020603050405020304" pitchFamily="18" charset="0"/>
               </a:rPr>
               <a:t> =</a:t>
             </a:r>
             <a:r>
               <a:rPr lang="zh-TW" altLang="en-US" sz="2000" dirty="0">
-                <a:latin typeface="標楷體" panose="03000509000000000000" pitchFamily="65" charset="-120"/>
-                <a:ea typeface="標楷體" panose="03000509000000000000" pitchFamily="65" charset="-120"/>
+                <a:latin typeface="Times New Roman" panose="02020603050405020304" pitchFamily="18" charset="0"/>
+                <a:ea typeface="標楷體" panose="03000509000000000000" pitchFamily="65" charset="-120"/>
+                <a:cs typeface="Times New Roman" panose="02020603050405020304" pitchFamily="18" charset="0"/>
               </a:rPr>
               <a:t> </a:t>
             </a:r>
             <a:r>
               <a:rPr lang="en-US" altLang="zh-TW" sz="2000" dirty="0">
-                <a:latin typeface="標楷體" panose="03000509000000000000" pitchFamily="65" charset="-120"/>
-                <a:ea typeface="標楷體" panose="03000509000000000000" pitchFamily="65" charset="-120"/>
+                <a:latin typeface="Times New Roman" panose="02020603050405020304" pitchFamily="18" charset="0"/>
+                <a:ea typeface="標楷體" panose="03000509000000000000" pitchFamily="65" charset="-120"/>
+                <a:cs typeface="Times New Roman" panose="02020603050405020304" pitchFamily="18" charset="0"/>
               </a:rPr>
               <a:t>[50</a:t>
             </a:r>
             <a:r>
               <a:rPr lang="zh-TW" altLang="en-US" sz="2000" dirty="0">
-                <a:latin typeface="標楷體" panose="03000509000000000000" pitchFamily="65" charset="-120"/>
-                <a:ea typeface="標楷體" panose="03000509000000000000" pitchFamily="65" charset="-120"/>
+                <a:latin typeface="Times New Roman" panose="02020603050405020304" pitchFamily="18" charset="0"/>
+                <a:ea typeface="標楷體" panose="03000509000000000000" pitchFamily="65" charset="-120"/>
+                <a:cs typeface="Times New Roman" panose="02020603050405020304" pitchFamily="18" charset="0"/>
               </a:rPr>
               <a:t> </a:t>
             </a:r>
             <a:r>
               <a:rPr lang="en-US" altLang="zh-TW" sz="2000" dirty="0">
-                <a:latin typeface="標楷體" panose="03000509000000000000" pitchFamily="65" charset="-120"/>
-                <a:ea typeface="標楷體" panose="03000509000000000000" pitchFamily="65" charset="-120"/>
+                <a:latin typeface="Times New Roman" panose="02020603050405020304" pitchFamily="18" charset="0"/>
+                <a:ea typeface="標楷體" panose="03000509000000000000" pitchFamily="65" charset="-120"/>
+                <a:cs typeface="Times New Roman" panose="02020603050405020304" pitchFamily="18" charset="0"/>
               </a:rPr>
               <a:t>5</a:t>
             </a:r>
             <a:r>
               <a:rPr lang="zh-TW" altLang="en-US" sz="2000" dirty="0">
-                <a:latin typeface="標楷體" panose="03000509000000000000" pitchFamily="65" charset="-120"/>
-                <a:ea typeface="標楷體" panose="03000509000000000000" pitchFamily="65" charset="-120"/>
+                <a:latin typeface="Times New Roman" panose="02020603050405020304" pitchFamily="18" charset="0"/>
+                <a:ea typeface="標楷體" panose="03000509000000000000" pitchFamily="65" charset="-120"/>
+                <a:cs typeface="Times New Roman" panose="02020603050405020304" pitchFamily="18" charset="0"/>
               </a:rPr>
               <a:t> </a:t>
             </a:r>
             <a:r>
               <a:rPr lang="en-US" altLang="zh-TW" sz="2000" dirty="0">
-                <a:latin typeface="標楷體" panose="03000509000000000000" pitchFamily="65" charset="-120"/>
-                <a:ea typeface="標楷體" panose="03000509000000000000" pitchFamily="65" charset="-120"/>
+                <a:latin typeface="Times New Roman" panose="02020603050405020304" pitchFamily="18" charset="0"/>
+                <a:ea typeface="標楷體" panose="03000509000000000000" pitchFamily="65" charset="-120"/>
+                <a:cs typeface="Times New Roman" panose="02020603050405020304" pitchFamily="18" charset="0"/>
               </a:rPr>
               <a:t>5]</a:t>
             </a:r>
             <a:r>
               <a:rPr lang="zh-TW" altLang="en-US" sz="2000" dirty="0">
-                <a:latin typeface="標楷體" panose="03000509000000000000" pitchFamily="65" charset="-120"/>
-                <a:ea typeface="標楷體" panose="03000509000000000000" pitchFamily="65" charset="-120"/>
+                <a:latin typeface="Times New Roman" panose="02020603050405020304" pitchFamily="18" charset="0"/>
+                <a:ea typeface="標楷體" panose="03000509000000000000" pitchFamily="65" charset="-120"/>
+                <a:cs typeface="Times New Roman" panose="02020603050405020304" pitchFamily="18" charset="0"/>
               </a:rPr>
               <a:t> </a:t>
             </a:r>
@@ -4774,15 +4819,17 @@
                 <a:solidFill>
                   <a:srgbClr val="00B050"/>
                 </a:solidFill>
-                <a:latin typeface="標楷體" panose="03000509000000000000" pitchFamily="65" charset="-120"/>
-                <a:ea typeface="標楷體" panose="03000509000000000000" pitchFamily="65" charset="-120"/>
+                <a:latin typeface="Times New Roman" panose="02020603050405020304" pitchFamily="18" charset="0"/>
+                <a:ea typeface="標楷體" panose="03000509000000000000" pitchFamily="65" charset="-120"/>
+                <a:cs typeface="Times New Roman" panose="02020603050405020304" pitchFamily="18" charset="0"/>
               </a:rPr>
               <a:t>int</a:t>
             </a:r>
             <a:r>
               <a:rPr lang="zh-TW" altLang="en-US" sz="2000" dirty="0">
-                <a:latin typeface="標楷體" panose="03000509000000000000" pitchFamily="65" charset="-120"/>
-                <a:ea typeface="標楷體" panose="03000509000000000000" pitchFamily="65" charset="-120"/>
+                <a:latin typeface="Times New Roman" panose="02020603050405020304" pitchFamily="18" charset="0"/>
+                <a:ea typeface="標楷體" panose="03000509000000000000" pitchFamily="65" charset="-120"/>
+                <a:cs typeface="Times New Roman" panose="02020603050405020304" pitchFamily="18" charset="0"/>
               </a:rPr>
               <a:t>、</a:t>
             </a:r>
@@ -4791,15 +4838,17 @@
                 <a:solidFill>
                   <a:srgbClr val="00B050"/>
                 </a:solidFill>
-                <a:latin typeface="標楷體" panose="03000509000000000000" pitchFamily="65" charset="-120"/>
-                <a:ea typeface="標楷體" panose="03000509000000000000" pitchFamily="65" charset="-120"/>
+                <a:latin typeface="Times New Roman" panose="02020603050405020304" pitchFamily="18" charset="0"/>
+                <a:ea typeface="標楷體" panose="03000509000000000000" pitchFamily="65" charset="-120"/>
+                <a:cs typeface="Times New Roman" panose="02020603050405020304" pitchFamily="18" charset="0"/>
               </a:rPr>
               <a:t>int</a:t>
             </a:r>
             <a:r>
               <a:rPr lang="zh-TW" altLang="en-US" sz="2000" dirty="0">
-                <a:latin typeface="標楷體" panose="03000509000000000000" pitchFamily="65" charset="-120"/>
-                <a:ea typeface="標楷體" panose="03000509000000000000" pitchFamily="65" charset="-120"/>
+                <a:latin typeface="Times New Roman" panose="02020603050405020304" pitchFamily="18" charset="0"/>
+                <a:ea typeface="標楷體" panose="03000509000000000000" pitchFamily="65" charset="-120"/>
+                <a:cs typeface="Times New Roman" panose="02020603050405020304" pitchFamily="18" charset="0"/>
               </a:rPr>
               <a:t>、</a:t>
             </a:r>
@@ -4808,8 +4857,9 @@
                 <a:solidFill>
                   <a:srgbClr val="00B050"/>
                 </a:solidFill>
-                <a:latin typeface="標楷體" panose="03000509000000000000" pitchFamily="65" charset="-120"/>
-                <a:ea typeface="標楷體" panose="03000509000000000000" pitchFamily="65" charset="-120"/>
+                <a:latin typeface="Times New Roman" panose="02020603050405020304" pitchFamily="18" charset="0"/>
+                <a:ea typeface="標楷體" panose="03000509000000000000" pitchFamily="65" charset="-120"/>
+                <a:cs typeface="Times New Roman" panose="02020603050405020304" pitchFamily="18" charset="0"/>
               </a:rPr>
               <a:t>int</a:t>
             </a:r>
@@ -4829,24 +4879,34 @@
             </a:r>
             <a:r>
               <a:rPr lang="en-US" altLang="zh-TW" sz="2000" dirty="0">
-                <a:latin typeface="標楷體" panose="03000509000000000000" pitchFamily="65" charset="-120"/>
-                <a:ea typeface="標楷體" panose="03000509000000000000" pitchFamily="65" charset="-120"/>
+                <a:latin typeface="Times New Roman" panose="02020603050405020304" pitchFamily="18" charset="0"/>
+                <a:ea typeface="標楷體" panose="03000509000000000000" pitchFamily="65" charset="-120"/>
+                <a:cs typeface="Times New Roman" panose="02020603050405020304" pitchFamily="18" charset="0"/>
               </a:rPr>
               <a:t>1</a:t>
             </a:r>
             <a:r>
               <a:rPr lang="zh-TW" altLang="en-US" sz="2000" dirty="0">
-                <a:latin typeface="標楷體" panose="03000509000000000000" pitchFamily="65" charset="-120"/>
-                <a:ea typeface="標楷體" panose="03000509000000000000" pitchFamily="65" charset="-120"/>
+                <a:latin typeface="Times New Roman" panose="02020603050405020304" pitchFamily="18" charset="0"/>
+                <a:ea typeface="標楷體" panose="03000509000000000000" pitchFamily="65" charset="-120"/>
+                <a:cs typeface="Times New Roman" panose="02020603050405020304" pitchFamily="18" charset="0"/>
               </a:rPr>
               <a:t>*</a:t>
             </a:r>
             <a:r>
               <a:rPr lang="en-US" altLang="zh-TW" sz="2000" dirty="0">
-                <a:latin typeface="標楷體" panose="03000509000000000000" pitchFamily="65" charset="-120"/>
-                <a:ea typeface="標楷體" panose="03000509000000000000" pitchFamily="65" charset="-120"/>
-              </a:rPr>
-              <a:t>3(</a:t>
+                <a:latin typeface="Times New Roman" panose="02020603050405020304" pitchFamily="18" charset="0"/>
+                <a:ea typeface="標楷體" panose="03000509000000000000" pitchFamily="65" charset="-120"/>
+                <a:cs typeface="Times New Roman" panose="02020603050405020304" pitchFamily="18" charset="0"/>
+              </a:rPr>
+              <a:t>3</a:t>
+            </a:r>
+            <a:r>
+              <a:rPr lang="en-US" altLang="zh-TW" sz="2000" dirty="0">
+                <a:latin typeface="標楷體" panose="03000509000000000000" pitchFamily="65" charset="-120"/>
+                <a:ea typeface="標楷體" panose="03000509000000000000" pitchFamily="65" charset="-120"/>
+              </a:rPr>
+              <a:t>(</a:t>
             </a:r>
             <a:r>
               <a:rPr lang="zh-TW" altLang="en-US" sz="2000" dirty="0">
@@ -4907,17 +4967,26 @@
             </a:pPr>
             <a:r>
               <a:rPr lang="en-US" altLang="zh-TW" sz="2000" dirty="0" err="1">
-                <a:latin typeface="標楷體" panose="03000509000000000000" pitchFamily="65" charset="-120"/>
-                <a:ea typeface="標楷體" panose="03000509000000000000" pitchFamily="65" charset="-120"/>
+                <a:latin typeface="Times New Roman" panose="02020603050405020304" pitchFamily="18" charset="0"/>
+                <a:ea typeface="標楷體" panose="03000509000000000000" pitchFamily="65" charset="-120"/>
+                <a:cs typeface="Times New Roman" panose="02020603050405020304" pitchFamily="18" charset="0"/>
               </a:rPr>
               <a:t>ub_input</a:t>
             </a:r>
             <a:r>
               <a:rPr lang="en-US" altLang="zh-TW" sz="2000" dirty="0">
-                <a:latin typeface="標楷體" panose="03000509000000000000" pitchFamily="65" charset="-120"/>
-                <a:ea typeface="標楷體" panose="03000509000000000000" pitchFamily="65" charset="-120"/>
-              </a:rPr>
-              <a:t> = [300 50 10] :</a:t>
+                <a:latin typeface="Times New Roman" panose="02020603050405020304" pitchFamily="18" charset="0"/>
+                <a:ea typeface="標楷體" panose="03000509000000000000" pitchFamily="65" charset="-120"/>
+                <a:cs typeface="Times New Roman" panose="02020603050405020304" pitchFamily="18" charset="0"/>
+              </a:rPr>
+              <a:t> = [300 50 10] </a:t>
+            </a:r>
+            <a:r>
+              <a:rPr lang="en-US" altLang="zh-TW" sz="2000" dirty="0">
+                <a:latin typeface="標楷體" panose="03000509000000000000" pitchFamily="65" charset="-120"/>
+                <a:ea typeface="標楷體" panose="03000509000000000000" pitchFamily="65" charset="-120"/>
+              </a:rPr>
+              <a:t>:</a:t>
             </a:r>
             <a:r>
               <a:rPr lang="zh-TW" altLang="en-US" sz="2000" dirty="0">
@@ -4938,15 +5007,17 @@
                 <a:solidFill>
                   <a:srgbClr val="00B050"/>
                 </a:solidFill>
-                <a:latin typeface="標楷體" panose="03000509000000000000" pitchFamily="65" charset="-120"/>
-                <a:ea typeface="標楷體" panose="03000509000000000000" pitchFamily="65" charset="-120"/>
+                <a:latin typeface="Times New Roman" panose="02020603050405020304" pitchFamily="18" charset="0"/>
+                <a:ea typeface="標楷體" panose="03000509000000000000" pitchFamily="65" charset="-120"/>
+                <a:cs typeface="Times New Roman" panose="02020603050405020304" pitchFamily="18" charset="0"/>
               </a:rPr>
               <a:t>int</a:t>
             </a:r>
             <a:r>
               <a:rPr lang="zh-TW" altLang="en-US" sz="2000" dirty="0">
-                <a:latin typeface="標楷體" panose="03000509000000000000" pitchFamily="65" charset="-120"/>
-                <a:ea typeface="標楷體" panose="03000509000000000000" pitchFamily="65" charset="-120"/>
+                <a:latin typeface="Times New Roman" panose="02020603050405020304" pitchFamily="18" charset="0"/>
+                <a:ea typeface="標楷體" panose="03000509000000000000" pitchFamily="65" charset="-120"/>
+                <a:cs typeface="Times New Roman" panose="02020603050405020304" pitchFamily="18" charset="0"/>
               </a:rPr>
               <a:t>、</a:t>
             </a:r>
@@ -4955,15 +5026,17 @@
                 <a:solidFill>
                   <a:srgbClr val="00B050"/>
                 </a:solidFill>
-                <a:latin typeface="標楷體" panose="03000509000000000000" pitchFamily="65" charset="-120"/>
-                <a:ea typeface="標楷體" panose="03000509000000000000" pitchFamily="65" charset="-120"/>
+                <a:latin typeface="Times New Roman" panose="02020603050405020304" pitchFamily="18" charset="0"/>
+                <a:ea typeface="標楷體" panose="03000509000000000000" pitchFamily="65" charset="-120"/>
+                <a:cs typeface="Times New Roman" panose="02020603050405020304" pitchFamily="18" charset="0"/>
               </a:rPr>
               <a:t>int</a:t>
             </a:r>
             <a:r>
               <a:rPr lang="zh-TW" altLang="en-US" sz="2000" dirty="0">
-                <a:latin typeface="標楷體" panose="03000509000000000000" pitchFamily="65" charset="-120"/>
-                <a:ea typeface="標楷體" panose="03000509000000000000" pitchFamily="65" charset="-120"/>
+                <a:latin typeface="Times New Roman" panose="02020603050405020304" pitchFamily="18" charset="0"/>
+                <a:ea typeface="標楷體" panose="03000509000000000000" pitchFamily="65" charset="-120"/>
+                <a:cs typeface="Times New Roman" panose="02020603050405020304" pitchFamily="18" charset="0"/>
               </a:rPr>
               <a:t>、</a:t>
             </a:r>
@@ -4972,8 +5045,9 @@
                 <a:solidFill>
                   <a:srgbClr val="00B050"/>
                 </a:solidFill>
-                <a:latin typeface="標楷體" panose="03000509000000000000" pitchFamily="65" charset="-120"/>
-                <a:ea typeface="標楷體" panose="03000509000000000000" pitchFamily="65" charset="-120"/>
+                <a:latin typeface="Times New Roman" panose="02020603050405020304" pitchFamily="18" charset="0"/>
+                <a:ea typeface="標楷體" panose="03000509000000000000" pitchFamily="65" charset="-120"/>
+                <a:cs typeface="Times New Roman" panose="02020603050405020304" pitchFamily="18" charset="0"/>
               </a:rPr>
               <a:t>int</a:t>
             </a:r>
@@ -4993,24 +5067,34 @@
             </a:r>
             <a:r>
               <a:rPr lang="en-US" altLang="zh-TW" sz="2000" dirty="0">
-                <a:latin typeface="標楷體" panose="03000509000000000000" pitchFamily="65" charset="-120"/>
-                <a:ea typeface="標楷體" panose="03000509000000000000" pitchFamily="65" charset="-120"/>
+                <a:latin typeface="Times New Roman" panose="02020603050405020304" pitchFamily="18" charset="0"/>
+                <a:ea typeface="標楷體" panose="03000509000000000000" pitchFamily="65" charset="-120"/>
+                <a:cs typeface="Times New Roman" panose="02020603050405020304" pitchFamily="18" charset="0"/>
               </a:rPr>
               <a:t>1</a:t>
             </a:r>
             <a:r>
               <a:rPr lang="zh-TW" altLang="en-US" sz="2000" dirty="0">
-                <a:latin typeface="標楷體" panose="03000509000000000000" pitchFamily="65" charset="-120"/>
-                <a:ea typeface="標楷體" panose="03000509000000000000" pitchFamily="65" charset="-120"/>
+                <a:latin typeface="Times New Roman" panose="02020603050405020304" pitchFamily="18" charset="0"/>
+                <a:ea typeface="標楷體" panose="03000509000000000000" pitchFamily="65" charset="-120"/>
+                <a:cs typeface="Times New Roman" panose="02020603050405020304" pitchFamily="18" charset="0"/>
               </a:rPr>
               <a:t>*</a:t>
             </a:r>
             <a:r>
               <a:rPr lang="en-US" altLang="zh-TW" sz="2000" dirty="0">
-                <a:latin typeface="標楷體" panose="03000509000000000000" pitchFamily="65" charset="-120"/>
-                <a:ea typeface="標楷體" panose="03000509000000000000" pitchFamily="65" charset="-120"/>
-              </a:rPr>
-              <a:t>3(</a:t>
+                <a:latin typeface="Times New Roman" panose="02020603050405020304" pitchFamily="18" charset="0"/>
+                <a:ea typeface="標楷體" panose="03000509000000000000" pitchFamily="65" charset="-120"/>
+                <a:cs typeface="Times New Roman" panose="02020603050405020304" pitchFamily="18" charset="0"/>
+              </a:rPr>
+              <a:t>3</a:t>
+            </a:r>
+            <a:r>
+              <a:rPr lang="en-US" altLang="zh-TW" sz="2000" dirty="0">
+                <a:latin typeface="標楷體" panose="03000509000000000000" pitchFamily="65" charset="-120"/>
+                <a:ea typeface="標楷體" panose="03000509000000000000" pitchFamily="65" charset="-120"/>
+              </a:rPr>
+              <a:t>(</a:t>
             </a:r>
             <a:r>
               <a:rPr lang="zh-TW" altLang="en-US" sz="2000" dirty="0">
@@ -5071,10 +5155,18 @@
             </a:pPr>
             <a:r>
               <a:rPr lang="en-US" altLang="zh-TW" sz="2000" dirty="0">
-                <a:latin typeface="標楷體" panose="03000509000000000000" pitchFamily="65" charset="-120"/>
-                <a:ea typeface="標楷體" panose="03000509000000000000" pitchFamily="65" charset="-120"/>
-              </a:rPr>
-              <a:t>data :</a:t>
+                <a:latin typeface="Times New Roman" panose="02020603050405020304" pitchFamily="18" charset="0"/>
+                <a:ea typeface="標楷體" panose="03000509000000000000" pitchFamily="65" charset="-120"/>
+                <a:cs typeface="Times New Roman" panose="02020603050405020304" pitchFamily="18" charset="0"/>
+              </a:rPr>
+              <a:t>data </a:t>
+            </a:r>
+            <a:r>
+              <a:rPr lang="en-US" altLang="zh-TW" sz="2000" dirty="0">
+                <a:latin typeface="標楷體" panose="03000509000000000000" pitchFamily="65" charset="-120"/>
+                <a:ea typeface="標楷體" panose="03000509000000000000" pitchFamily="65" charset="-120"/>
+              </a:rPr>
+              <a:t>:</a:t>
             </a:r>
             <a:r>
               <a:rPr lang="zh-TW" altLang="en-US" sz="2000" dirty="0">
@@ -5112,8 +5204,9 @@
             </a:pPr>
             <a:r>
               <a:rPr lang="en-US" altLang="zh-TW" sz="2000" dirty="0">
-                <a:latin typeface="標楷體" panose="03000509000000000000" pitchFamily="65" charset="-120"/>
-                <a:ea typeface="標楷體" panose="03000509000000000000" pitchFamily="65" charset="-120"/>
+                <a:latin typeface="Times New Roman" panose="02020603050405020304" pitchFamily="18" charset="0"/>
+                <a:ea typeface="標楷體" panose="03000509000000000000" pitchFamily="65" charset="-120"/>
+                <a:cs typeface="Times New Roman" panose="02020603050405020304" pitchFamily="18" charset="0"/>
               </a:rPr>
               <a:t>labels :</a:t>
             </a:r>
@@ -5430,8 +5523,9 @@
             </a:pPr>
             <a:r>
               <a:rPr lang="en-US" altLang="zh-TW" sz="2000" dirty="0">
-                <a:latin typeface="標楷體" panose="03000509000000000000" pitchFamily="65" charset="-120"/>
-                <a:ea typeface="標楷體" panose="03000509000000000000" pitchFamily="65" charset="-120"/>
+                <a:latin typeface="Times New Roman" panose="02020603050405020304" pitchFamily="18" charset="0"/>
+                <a:ea typeface="標楷體" panose="03000509000000000000" pitchFamily="65" charset="-120"/>
+                <a:cs typeface="Times New Roman" panose="02020603050405020304" pitchFamily="18" charset="0"/>
               </a:rPr>
               <a:t>input</a:t>
             </a:r>
@@ -5457,8 +5551,9 @@
             </a:pPr>
             <a:r>
               <a:rPr lang="en-US" altLang="zh-TW" sz="2000" dirty="0" err="1">
-                <a:latin typeface="標楷體" panose="03000509000000000000" pitchFamily="65" charset="-120"/>
-                <a:ea typeface="標楷體" panose="03000509000000000000" pitchFamily="65" charset="-120"/>
+                <a:latin typeface="Times New Roman" panose="02020603050405020304" pitchFamily="18" charset="0"/>
+                <a:ea typeface="標楷體" panose="03000509000000000000" pitchFamily="65" charset="-120"/>
+                <a:cs typeface="Times New Roman" panose="02020603050405020304" pitchFamily="18" charset="0"/>
               </a:rPr>
               <a:t>Split_quantity</a:t>
             </a:r>
@@ -5478,8 +5573,9 @@
             </a:r>
             <a:r>
               <a:rPr lang="en-US" altLang="zh-TW" sz="2000" dirty="0">
-                <a:latin typeface="標楷體" panose="03000509000000000000" pitchFamily="65" charset="-120"/>
-                <a:ea typeface="標楷體" panose="03000509000000000000" pitchFamily="65" charset="-120"/>
+                <a:latin typeface="Times New Roman" panose="02020603050405020304" pitchFamily="18" charset="0"/>
+                <a:ea typeface="標楷體" panose="03000509000000000000" pitchFamily="65" charset="-120"/>
+                <a:cs typeface="Times New Roman" panose="02020603050405020304" pitchFamily="18" charset="0"/>
               </a:rPr>
               <a:t>4</a:t>
             </a:r>
@@ -5516,8 +5612,9 @@
                 <a:solidFill>
                   <a:srgbClr val="00B050"/>
                 </a:solidFill>
-                <a:latin typeface="標楷體" panose="03000509000000000000" pitchFamily="65" charset="-120"/>
-                <a:ea typeface="標楷體" panose="03000509000000000000" pitchFamily="65" charset="-120"/>
+                <a:latin typeface="Times New Roman" panose="02020603050405020304" pitchFamily="18" charset="0"/>
+                <a:ea typeface="標楷體" panose="03000509000000000000" pitchFamily="65" charset="-120"/>
+                <a:cs typeface="Times New Roman" panose="02020603050405020304" pitchFamily="18" charset="0"/>
               </a:rPr>
               <a:t>int</a:t>
             </a:r>
@@ -5537,8 +5634,9 @@
             </a:r>
             <a:r>
               <a:rPr lang="en-US" altLang="zh-TW" sz="2000" dirty="0">
-                <a:latin typeface="標楷體" panose="03000509000000000000" pitchFamily="65" charset="-120"/>
-                <a:ea typeface="標楷體" panose="03000509000000000000" pitchFamily="65" charset="-120"/>
+                <a:latin typeface="Times New Roman" panose="02020603050405020304" pitchFamily="18" charset="0"/>
+                <a:ea typeface="標楷體" panose="03000509000000000000" pitchFamily="65" charset="-120"/>
+                <a:cs typeface="Times New Roman" panose="02020603050405020304" pitchFamily="18" charset="0"/>
               </a:rPr>
               <a:t>k-fold</a:t>
             </a:r>
@@ -5551,8 +5649,9 @@
             </a:r>
             <a:r>
               <a:rPr lang="en-US" altLang="zh-TW" sz="2000" dirty="0">
-                <a:latin typeface="標楷體" panose="03000509000000000000" pitchFamily="65" charset="-120"/>
-                <a:ea typeface="標楷體" panose="03000509000000000000" pitchFamily="65" charset="-120"/>
+                <a:latin typeface="Times New Roman" panose="02020603050405020304" pitchFamily="18" charset="0"/>
+                <a:ea typeface="標楷體" panose="03000509000000000000" pitchFamily="65" charset="-120"/>
+                <a:cs typeface="Times New Roman" panose="02020603050405020304" pitchFamily="18" charset="0"/>
               </a:rPr>
               <a:t>fold</a:t>
             </a:r>
@@ -5565,8 +5664,9 @@
             </a:r>
             <a:r>
               <a:rPr lang="en-US" altLang="zh-TW" sz="2000" dirty="0">
-                <a:latin typeface="標楷體" panose="03000509000000000000" pitchFamily="65" charset="-120"/>
-                <a:ea typeface="標楷體" panose="03000509000000000000" pitchFamily="65" charset="-120"/>
+                <a:latin typeface="Times New Roman" panose="02020603050405020304" pitchFamily="18" charset="0"/>
+                <a:ea typeface="標楷體" panose="03000509000000000000" pitchFamily="65" charset="-120"/>
+                <a:cs typeface="Times New Roman" panose="02020603050405020304" pitchFamily="18" charset="0"/>
               </a:rPr>
               <a:t>4</a:t>
             </a:r>
@@ -5579,8 +5679,9 @@
             </a:r>
             <a:r>
               <a:rPr lang="en-US" altLang="zh-TW" sz="2000" dirty="0">
-                <a:latin typeface="標楷體" panose="03000509000000000000" pitchFamily="65" charset="-120"/>
-                <a:ea typeface="標楷體" panose="03000509000000000000" pitchFamily="65" charset="-120"/>
+                <a:latin typeface="Times New Roman" panose="02020603050405020304" pitchFamily="18" charset="0"/>
+                <a:ea typeface="標楷體" panose="03000509000000000000" pitchFamily="65" charset="-120"/>
+                <a:cs typeface="Times New Roman" panose="02020603050405020304" pitchFamily="18" charset="0"/>
               </a:rPr>
               <a:t>fold</a:t>
             </a:r>
@@ -5593,8 +5694,9 @@
             </a:r>
             <a:r>
               <a:rPr lang="en-US" altLang="zh-TW" sz="2000" dirty="0">
-                <a:latin typeface="標楷體" panose="03000509000000000000" pitchFamily="65" charset="-120"/>
-                <a:ea typeface="標楷體" panose="03000509000000000000" pitchFamily="65" charset="-120"/>
+                <a:latin typeface="Times New Roman" panose="02020603050405020304" pitchFamily="18" charset="0"/>
+                <a:ea typeface="標楷體" panose="03000509000000000000" pitchFamily="65" charset="-120"/>
+                <a:cs typeface="Times New Roman" panose="02020603050405020304" pitchFamily="18" charset="0"/>
               </a:rPr>
               <a:t>4</a:t>
             </a:r>
@@ -5639,8 +5741,9 @@
                 <a:highlight>
                   <a:srgbClr val="00FF00"/>
                 </a:highlight>
-                <a:latin typeface="標楷體" panose="03000509000000000000" pitchFamily="65" charset="-120"/>
-                <a:ea typeface="標楷體" panose="03000509000000000000" pitchFamily="65" charset="-120"/>
+                <a:latin typeface="Times New Roman" panose="02020603050405020304" pitchFamily="18" charset="0"/>
+                <a:ea typeface="標楷體" panose="03000509000000000000" pitchFamily="65" charset="-120"/>
+                <a:cs typeface="Times New Roman" panose="02020603050405020304" pitchFamily="18" charset="0"/>
               </a:rPr>
               <a:t>selection_method</a:t>
             </a:r>
@@ -5731,17 +5834,26 @@
             </a:pPr>
             <a:r>
               <a:rPr lang="en-US" altLang="zh-TW" sz="2000" dirty="0" err="1">
-                <a:latin typeface="標楷體" panose="03000509000000000000" pitchFamily="65" charset="-120"/>
-                <a:ea typeface="標楷體" panose="03000509000000000000" pitchFamily="65" charset="-120"/>
+                <a:latin typeface="Times New Roman" panose="02020603050405020304" pitchFamily="18" charset="0"/>
+                <a:ea typeface="標楷體" panose="03000509000000000000" pitchFamily="65" charset="-120"/>
+                <a:cs typeface="Times New Roman" panose="02020603050405020304" pitchFamily="18" charset="0"/>
               </a:rPr>
               <a:t>RF_mode</a:t>
             </a:r>
             <a:r>
               <a:rPr lang="en-US" altLang="zh-TW" sz="2000" dirty="0">
-                <a:latin typeface="標楷體" panose="03000509000000000000" pitchFamily="65" charset="-120"/>
-                <a:ea typeface="標楷體" panose="03000509000000000000" pitchFamily="65" charset="-120"/>
-              </a:rPr>
-              <a:t> =</a:t>
+                <a:latin typeface="Times New Roman" panose="02020603050405020304" pitchFamily="18" charset="0"/>
+                <a:ea typeface="標楷體" panose="03000509000000000000" pitchFamily="65" charset="-120"/>
+                <a:cs typeface="Times New Roman" panose="02020603050405020304" pitchFamily="18" charset="0"/>
+              </a:rPr>
+              <a:t> </a:t>
+            </a:r>
+            <a:r>
+              <a:rPr lang="en-US" altLang="zh-TW" sz="2000" dirty="0">
+                <a:latin typeface="標楷體" panose="03000509000000000000" pitchFamily="65" charset="-120"/>
+                <a:ea typeface="標楷體" panose="03000509000000000000" pitchFamily="65" charset="-120"/>
+              </a:rPr>
+              <a:t>=</a:t>
             </a:r>
             <a:r>
               <a:rPr lang="zh-TW" altLang="en-US" sz="2000" dirty="0">
@@ -5784,8 +5896,9 @@
                 <a:solidFill>
                   <a:srgbClr val="CC00CC"/>
                 </a:solidFill>
-                <a:latin typeface="標楷體" panose="03000509000000000000" pitchFamily="65" charset="-120"/>
-                <a:ea typeface="標楷體" panose="03000509000000000000" pitchFamily="65" charset="-120"/>
+                <a:latin typeface="Times New Roman" panose="02020603050405020304" pitchFamily="18" charset="0"/>
+                <a:ea typeface="標楷體" panose="03000509000000000000" pitchFamily="65" charset="-120"/>
+                <a:cs typeface="Times New Roman" panose="02020603050405020304" pitchFamily="18" charset="0"/>
               </a:rPr>
               <a:t>str</a:t>
             </a:r>
@@ -5869,17 +5982,41 @@
             </a:pPr>
             <a:r>
               <a:rPr lang="en-US" altLang="zh-TW" sz="2000" dirty="0" err="1">
-                <a:latin typeface="標楷體" panose="03000509000000000000" pitchFamily="65" charset="-120"/>
-                <a:ea typeface="標楷體" panose="03000509000000000000" pitchFamily="65" charset="-120"/>
+                <a:latin typeface="Times New Roman" panose="02020603050405020304" pitchFamily="18" charset="0"/>
+                <a:ea typeface="標楷體" panose="03000509000000000000" pitchFamily="65" charset="-120"/>
+                <a:cs typeface="Times New Roman" panose="02020603050405020304" pitchFamily="18" charset="0"/>
               </a:rPr>
               <a:t>selection_method</a:t>
             </a:r>
             <a:r>
               <a:rPr lang="en-US" altLang="zh-TW" sz="2000" dirty="0">
-                <a:latin typeface="標楷體" panose="03000509000000000000" pitchFamily="65" charset="-120"/>
-                <a:ea typeface="標楷體" panose="03000509000000000000" pitchFamily="65" charset="-120"/>
-              </a:rPr>
-              <a:t> = [1] or [2] or [3] :</a:t>
+                <a:latin typeface="Times New Roman" panose="02020603050405020304" pitchFamily="18" charset="0"/>
+                <a:ea typeface="標楷體" panose="03000509000000000000" pitchFamily="65" charset="-120"/>
+                <a:cs typeface="Times New Roman" panose="02020603050405020304" pitchFamily="18" charset="0"/>
+              </a:rPr>
+              <a:t> </a:t>
+            </a:r>
+            <a:r>
+              <a:rPr lang="en-US" altLang="zh-TW" sz="2000" dirty="0">
+                <a:latin typeface="標楷體" panose="03000509000000000000" pitchFamily="65" charset="-120"/>
+                <a:ea typeface="標楷體" panose="03000509000000000000" pitchFamily="65" charset="-120"/>
+              </a:rPr>
+              <a:t>= </a:t>
+            </a:r>
+            <a:r>
+              <a:rPr lang="en-US" altLang="zh-TW" sz="2000" dirty="0">
+                <a:latin typeface="Times New Roman" panose="02020603050405020304" pitchFamily="18" charset="0"/>
+                <a:ea typeface="標楷體" panose="03000509000000000000" pitchFamily="65" charset="-120"/>
+                <a:cs typeface="Times New Roman" panose="02020603050405020304" pitchFamily="18" charset="0"/>
+              </a:rPr>
+              <a:t>[1] or [2] or [3]</a:t>
+            </a:r>
+            <a:r>
+              <a:rPr lang="en-US" altLang="zh-TW" sz="2000" dirty="0">
+                <a:latin typeface="標楷體" panose="03000509000000000000" pitchFamily="65" charset="-120"/>
+                <a:ea typeface="標楷體" panose="03000509000000000000" pitchFamily="65" charset="-120"/>
+              </a:rPr>
+              <a:t> :</a:t>
             </a:r>
             <a:r>
               <a:rPr lang="zh-TW" altLang="en-US" sz="2000" dirty="0">
@@ -5900,8 +6037,9 @@
                 <a:solidFill>
                   <a:srgbClr val="00B050"/>
                 </a:solidFill>
-                <a:latin typeface="標楷體" panose="03000509000000000000" pitchFamily="65" charset="-120"/>
-                <a:ea typeface="標楷體" panose="03000509000000000000" pitchFamily="65" charset="-120"/>
+                <a:latin typeface="Times New Roman" panose="02020603050405020304" pitchFamily="18" charset="0"/>
+                <a:ea typeface="標楷體" panose="03000509000000000000" pitchFamily="65" charset="-120"/>
+                <a:cs typeface="Times New Roman" panose="02020603050405020304" pitchFamily="18" charset="0"/>
               </a:rPr>
               <a:t>int</a:t>
             </a:r>
@@ -5924,35 +6062,54 @@
                 <a:latin typeface="標楷體" panose="03000509000000000000" pitchFamily="65" charset="-120"/>
                 <a:ea typeface="標楷體" panose="03000509000000000000" pitchFamily="65" charset="-120"/>
               </a:rPr>
-              <a:t>(1</a:t>
+              <a:t>(</a:t>
+            </a:r>
+            <a:r>
+              <a:rPr lang="en-US" altLang="zh-TW" sz="2000" dirty="0">
+                <a:latin typeface="Times New Roman" panose="02020603050405020304" pitchFamily="18" charset="0"/>
+                <a:ea typeface="標楷體" panose="03000509000000000000" pitchFamily="65" charset="-120"/>
+                <a:cs typeface="Times New Roman" panose="02020603050405020304" pitchFamily="18" charset="0"/>
+              </a:rPr>
+              <a:t>1</a:t>
             </a:r>
             <a:r>
               <a:rPr lang="zh-TW" altLang="en-US" sz="2000" dirty="0">
-                <a:latin typeface="標楷體" panose="03000509000000000000" pitchFamily="65" charset="-120"/>
-                <a:ea typeface="標楷體" panose="03000509000000000000" pitchFamily="65" charset="-120"/>
+                <a:latin typeface="Times New Roman" panose="02020603050405020304" pitchFamily="18" charset="0"/>
+                <a:ea typeface="標楷體" panose="03000509000000000000" pitchFamily="65" charset="-120"/>
+                <a:cs typeface="Times New Roman" panose="02020603050405020304" pitchFamily="18" charset="0"/>
               </a:rPr>
               <a:t>、</a:t>
             </a:r>
             <a:r>
               <a:rPr lang="en-US" altLang="zh-TW" sz="2000" dirty="0">
-                <a:latin typeface="標楷體" panose="03000509000000000000" pitchFamily="65" charset="-120"/>
-                <a:ea typeface="標楷體" panose="03000509000000000000" pitchFamily="65" charset="-120"/>
+                <a:latin typeface="Times New Roman" panose="02020603050405020304" pitchFamily="18" charset="0"/>
+                <a:ea typeface="標楷體" panose="03000509000000000000" pitchFamily="65" charset="-120"/>
+                <a:cs typeface="Times New Roman" panose="02020603050405020304" pitchFamily="18" charset="0"/>
               </a:rPr>
               <a:t>2</a:t>
             </a:r>
             <a:r>
               <a:rPr lang="zh-TW" altLang="en-US" sz="2000" dirty="0">
-                <a:latin typeface="標楷體" panose="03000509000000000000" pitchFamily="65" charset="-120"/>
-                <a:ea typeface="標楷體" panose="03000509000000000000" pitchFamily="65" charset="-120"/>
+                <a:latin typeface="Times New Roman" panose="02020603050405020304" pitchFamily="18" charset="0"/>
+                <a:ea typeface="標楷體" panose="03000509000000000000" pitchFamily="65" charset="-120"/>
+                <a:cs typeface="Times New Roman" panose="02020603050405020304" pitchFamily="18" charset="0"/>
               </a:rPr>
               <a:t>、</a:t>
             </a:r>
             <a:r>
               <a:rPr lang="en-US" altLang="zh-TW" sz="2000" dirty="0">
-                <a:latin typeface="標楷體" panose="03000509000000000000" pitchFamily="65" charset="-120"/>
-                <a:ea typeface="標楷體" panose="03000509000000000000" pitchFamily="65" charset="-120"/>
-              </a:rPr>
-              <a:t>3)</a:t>
+                <a:latin typeface="Times New Roman" panose="02020603050405020304" pitchFamily="18" charset="0"/>
+                <a:ea typeface="標楷體" panose="03000509000000000000" pitchFamily="65" charset="-120"/>
+                <a:cs typeface="Times New Roman" panose="02020603050405020304" pitchFamily="18" charset="0"/>
+              </a:rPr>
+              <a:t>3</a:t>
+            </a:r>
+            <a:r>
+              <a:rPr lang="en-US" altLang="zh-TW" sz="2000" dirty="0">
+                <a:latin typeface="標楷體" panose="03000509000000000000" pitchFamily="65" charset="-120"/>
+                <a:ea typeface="標楷體" panose="03000509000000000000" pitchFamily="65" charset="-120"/>
+              </a:rPr>
+              <a:t>)</a:t>
             </a:r>
             <a:r>
               <a:rPr lang="zh-TW" altLang="en-US" sz="2000" dirty="0">
@@ -9823,8 +9980,9 @@
             </a:r>
             <a:r>
               <a:rPr lang="en-US" altLang="zh-TW" sz="2400" dirty="0">
-                <a:latin typeface="標楷體" panose="03000509000000000000" pitchFamily="65" charset="-120"/>
-                <a:ea typeface="標楷體" panose="03000509000000000000" pitchFamily="65" charset="-120"/>
+                <a:latin typeface="Times New Roman" panose="02020603050405020304" pitchFamily="18" charset="0"/>
+                <a:ea typeface="標楷體" panose="03000509000000000000" pitchFamily="65" charset="-120"/>
+                <a:cs typeface="Times New Roman" panose="02020603050405020304" pitchFamily="18" charset="0"/>
               </a:rPr>
               <a:t>k-fold</a:t>
             </a:r>
@@ -10137,8 +10295,9 @@
             </a:pPr>
             <a:r>
               <a:rPr lang="en-US" altLang="zh-TW" sz="2000" dirty="0">
-                <a:latin typeface="標楷體" panose="03000509000000000000" pitchFamily="65" charset="-120"/>
-                <a:ea typeface="標楷體" panose="03000509000000000000" pitchFamily="65" charset="-120"/>
+                <a:latin typeface="Times New Roman" panose="02020603050405020304" pitchFamily="18" charset="0"/>
+                <a:ea typeface="標楷體" panose="03000509000000000000" pitchFamily="65" charset="-120"/>
+                <a:cs typeface="Times New Roman" panose="02020603050405020304" pitchFamily="18" charset="0"/>
               </a:rPr>
               <a:t>output</a:t>
             </a:r>
@@ -10164,22 +10323,46 @@
             </a:pPr>
             <a:r>
               <a:rPr lang="en-US" altLang="zh-TW" sz="2000" dirty="0">
-                <a:latin typeface="標楷體" panose="03000509000000000000" pitchFamily="65" charset="-120"/>
-                <a:ea typeface="標楷體" panose="03000509000000000000" pitchFamily="65" charset="-120"/>
-              </a:rPr>
-              <a:t>indices :</a:t>
+                <a:latin typeface="Times New Roman" panose="02020603050405020304" pitchFamily="18" charset="0"/>
+                <a:ea typeface="標楷體" panose="03000509000000000000" pitchFamily="65" charset="-120"/>
+                <a:cs typeface="Times New Roman" panose="02020603050405020304" pitchFamily="18" charset="0"/>
+              </a:rPr>
+              <a:t>indices</a:t>
+            </a:r>
+            <a:r>
+              <a:rPr lang="en-US" altLang="zh-TW" sz="2000" dirty="0">
+                <a:latin typeface="標楷體" panose="03000509000000000000" pitchFamily="65" charset="-120"/>
+                <a:ea typeface="標楷體" panose="03000509000000000000" pitchFamily="65" charset="-120"/>
+              </a:rPr>
+              <a:t> :</a:t>
             </a:r>
             <a:r>
               <a:rPr lang="zh-TW" altLang="en-US" sz="2000" dirty="0">
                 <a:latin typeface="標楷體" panose="03000509000000000000" pitchFamily="65" charset="-120"/>
                 <a:ea typeface="標楷體" panose="03000509000000000000" pitchFamily="65" charset="-120"/>
               </a:rPr>
-              <a:t>此為根據不同的</a:t>
-            </a:r>
-            <a:r>
-              <a:rPr lang="en-US" altLang="zh-TW" sz="2000" dirty="0">
-                <a:latin typeface="標楷體" panose="03000509000000000000" pitchFamily="65" charset="-120"/>
-                <a:ea typeface="標楷體" panose="03000509000000000000" pitchFamily="65" charset="-120"/>
+              <a:t>此參數會為</a:t>
+            </a:r>
+            <a:r>
+              <a:rPr lang="en-US" altLang="zh-TW" sz="2000" dirty="0">
+                <a:latin typeface="Times New Roman" panose="02020603050405020304" pitchFamily="18" charset="0"/>
+                <a:ea typeface="標楷體" panose="03000509000000000000" pitchFamily="65" charset="-120"/>
+                <a:cs typeface="Times New Roman" panose="02020603050405020304" pitchFamily="18" charset="0"/>
+              </a:rPr>
+              <a:t>data</a:t>
+            </a:r>
+            <a:r>
+              <a:rPr lang="zh-TW" altLang="en-US" sz="2000" dirty="0">
+                <a:latin typeface="標楷體" panose="03000509000000000000" pitchFamily="65" charset="-120"/>
+                <a:ea typeface="標楷體" panose="03000509000000000000" pitchFamily="65" charset="-120"/>
+              </a:rPr>
+              <a:t>編號來分出不同的</a:t>
+            </a:r>
+            <a:r>
+              <a:rPr lang="en-US" altLang="zh-TW" sz="2000" dirty="0">
+                <a:latin typeface="Times New Roman" panose="02020603050405020304" pitchFamily="18" charset="0"/>
+                <a:ea typeface="標楷體" panose="03000509000000000000" pitchFamily="65" charset="-120"/>
+                <a:cs typeface="Times New Roman" panose="02020603050405020304" pitchFamily="18" charset="0"/>
               </a:rPr>
               <a:t>fold</a:t>
             </a:r>
@@ -10188,26 +10371,13 @@
                 <a:latin typeface="標楷體" panose="03000509000000000000" pitchFamily="65" charset="-120"/>
                 <a:ea typeface="標楷體" panose="03000509000000000000" pitchFamily="65" charset="-120"/>
               </a:rPr>
-              <a:t>為</a:t>
-            </a:r>
-            <a:r>
-              <a:rPr lang="en-US" altLang="zh-TW" sz="2000" dirty="0">
-                <a:latin typeface="標楷體" panose="03000509000000000000" pitchFamily="65" charset="-120"/>
-                <a:ea typeface="標楷體" panose="03000509000000000000" pitchFamily="65" charset="-120"/>
-              </a:rPr>
-              <a:t>data</a:t>
-            </a:r>
-            <a:r>
-              <a:rPr lang="zh-TW" altLang="en-US" sz="2000" dirty="0">
-                <a:latin typeface="標楷體" panose="03000509000000000000" pitchFamily="65" charset="-120"/>
-                <a:ea typeface="標楷體" panose="03000509000000000000" pitchFamily="65" charset="-120"/>
-              </a:rPr>
-              <a:t>編號的數據，會根據</a:t>
+              <a:t>，會根據</a:t>
             </a:r>
             <a:r>
               <a:rPr lang="en-US" altLang="zh-TW" sz="2000" dirty="0" err="1">
-                <a:latin typeface="標楷體" panose="03000509000000000000" pitchFamily="65" charset="-120"/>
-                <a:ea typeface="標楷體" panose="03000509000000000000" pitchFamily="65" charset="-120"/>
+                <a:latin typeface="Times New Roman" panose="02020603050405020304" pitchFamily="18" charset="0"/>
+                <a:ea typeface="標楷體" panose="03000509000000000000" pitchFamily="65" charset="-120"/>
+                <a:cs typeface="Times New Roman" panose="02020603050405020304" pitchFamily="18" charset="0"/>
               </a:rPr>
               <a:t>selection_method</a:t>
             </a:r>
@@ -10253,8 +10423,9 @@
             </a:pPr>
             <a:r>
               <a:rPr lang="en-US" altLang="zh-TW" sz="2000" dirty="0" err="1">
-                <a:latin typeface="標楷體" panose="03000509000000000000" pitchFamily="65" charset="-120"/>
-                <a:ea typeface="標楷體" panose="03000509000000000000" pitchFamily="65" charset="-120"/>
+                <a:latin typeface="Times New Roman" panose="02020603050405020304" pitchFamily="18" charset="0"/>
+                <a:ea typeface="標楷體" panose="03000509000000000000" pitchFamily="65" charset="-120"/>
+                <a:cs typeface="Times New Roman" panose="02020603050405020304" pitchFamily="18" charset="0"/>
               </a:rPr>
               <a:t>Population_answer</a:t>
             </a:r>
@@ -10274,8 +10445,9 @@
             </a:r>
             <a:r>
               <a:rPr lang="en-US" altLang="zh-TW" sz="2000" dirty="0">
-                <a:latin typeface="標楷體" panose="03000509000000000000" pitchFamily="65" charset="-120"/>
-                <a:ea typeface="標楷體" panose="03000509000000000000" pitchFamily="65" charset="-120"/>
+                <a:latin typeface="Times New Roman" panose="02020603050405020304" pitchFamily="18" charset="0"/>
+                <a:ea typeface="標楷體" panose="03000509000000000000" pitchFamily="65" charset="-120"/>
+                <a:cs typeface="Times New Roman" panose="02020603050405020304" pitchFamily="18" charset="0"/>
               </a:rPr>
               <a:t>ga_mix_tree_Fnc</a:t>
             </a:r>
@@ -10288,8 +10460,9 @@
             </a:r>
             <a:r>
               <a:rPr lang="en-US" altLang="zh-TW" sz="2000" dirty="0" err="1">
-                <a:latin typeface="標楷體" panose="03000509000000000000" pitchFamily="65" charset="-120"/>
-                <a:ea typeface="標楷體" panose="03000509000000000000" pitchFamily="65" charset="-120"/>
+                <a:latin typeface="Times New Roman" panose="02020603050405020304" pitchFamily="18" charset="0"/>
+                <a:ea typeface="標楷體" panose="03000509000000000000" pitchFamily="65" charset="-120"/>
+                <a:cs typeface="Times New Roman" panose="02020603050405020304" pitchFamily="18" charset="0"/>
               </a:rPr>
               <a:t>OutputFnc</a:t>
             </a:r>
@@ -10302,8 +10475,9 @@
             </a:r>
             <a:r>
               <a:rPr lang="en-US" altLang="zh-TW" sz="2000" dirty="0">
-                <a:latin typeface="標楷體" panose="03000509000000000000" pitchFamily="65" charset="-120"/>
-                <a:ea typeface="標楷體" panose="03000509000000000000" pitchFamily="65" charset="-120"/>
+                <a:latin typeface="Times New Roman" panose="02020603050405020304" pitchFamily="18" charset="0"/>
+                <a:ea typeface="標楷體" panose="03000509000000000000" pitchFamily="65" charset="-120"/>
+                <a:cs typeface="Times New Roman" panose="02020603050405020304" pitchFamily="18" charset="0"/>
               </a:rPr>
               <a:t>workspace</a:t>
             </a:r>
@@ -10902,8 +11076,9 @@
             </a:r>
             <a:r>
               <a:rPr lang="en-US" altLang="zh-TW" sz="2400" dirty="0">
-                <a:latin typeface="標楷體" panose="03000509000000000000" pitchFamily="65" charset="-120"/>
-                <a:ea typeface="標楷體" panose="03000509000000000000" pitchFamily="65" charset="-120"/>
+                <a:latin typeface="Times New Roman" panose="02020603050405020304" pitchFamily="18" charset="0"/>
+                <a:ea typeface="標楷體" panose="03000509000000000000" pitchFamily="65" charset="-120"/>
+                <a:cs typeface="Times New Roman" panose="02020603050405020304" pitchFamily="18" charset="0"/>
               </a:rPr>
               <a:t>ga_mix_tree_Fnc</a:t>
             </a:r>
@@ -10936,8 +11111,9 @@
             </a:pPr>
             <a:r>
               <a:rPr lang="en-US" altLang="zh-TW" sz="2000" dirty="0">
-                <a:latin typeface="標楷體" panose="03000509000000000000" pitchFamily="65" charset="-120"/>
-                <a:ea typeface="標楷體" panose="03000509000000000000" pitchFamily="65" charset="-120"/>
+                <a:latin typeface="Times New Roman" panose="02020603050405020304" pitchFamily="18" charset="0"/>
+                <a:ea typeface="標楷體" panose="03000509000000000000" pitchFamily="65" charset="-120"/>
+                <a:cs typeface="Times New Roman" panose="02020603050405020304" pitchFamily="18" charset="0"/>
               </a:rPr>
               <a:t>input</a:t>
             </a:r>
@@ -10963,15 +11139,17 @@
             </a:pPr>
             <a:r>
               <a:rPr lang="en-US" altLang="zh-TW" sz="2000" dirty="0" err="1">
-                <a:latin typeface="標楷體" panose="03000509000000000000" pitchFamily="65" charset="-120"/>
-                <a:ea typeface="標楷體" panose="03000509000000000000" pitchFamily="65" charset="-120"/>
+                <a:latin typeface="Times New Roman" panose="02020603050405020304" pitchFamily="18" charset="0"/>
+                <a:ea typeface="標楷體" panose="03000509000000000000" pitchFamily="65" charset="-120"/>
+                <a:cs typeface="Times New Roman" panose="02020603050405020304" pitchFamily="18" charset="0"/>
               </a:rPr>
               <a:t>Population_answer</a:t>
             </a:r>
             <a:r>
               <a:rPr lang="en-US" altLang="zh-TW" sz="2000" dirty="0">
-                <a:latin typeface="標楷體" panose="03000509000000000000" pitchFamily="65" charset="-120"/>
-                <a:ea typeface="標楷體" panose="03000509000000000000" pitchFamily="65" charset="-120"/>
+                <a:latin typeface="Times New Roman" panose="02020603050405020304" pitchFamily="18" charset="0"/>
+                <a:ea typeface="標楷體" panose="03000509000000000000" pitchFamily="65" charset="-120"/>
+                <a:cs typeface="Times New Roman" panose="02020603050405020304" pitchFamily="18" charset="0"/>
               </a:rPr>
               <a:t>:</a:t>
             </a:r>
@@ -10990,8 +11168,9 @@
                 <a:solidFill>
                   <a:srgbClr val="00B0F0"/>
                 </a:solidFill>
-                <a:latin typeface="標楷體" panose="03000509000000000000" pitchFamily="65" charset="-120"/>
-                <a:ea typeface="標楷體" panose="03000509000000000000" pitchFamily="65" charset="-120"/>
+                <a:latin typeface="Times New Roman" panose="02020603050405020304" pitchFamily="18" charset="0"/>
+                <a:ea typeface="標楷體" panose="03000509000000000000" pitchFamily="65" charset="-120"/>
+                <a:cs typeface="Times New Roman" panose="02020603050405020304" pitchFamily="18" charset="0"/>
               </a:rPr>
               <a:t>ga_mix_tree_Fnc</a:t>
             </a:r>
@@ -11020,36 +11199,41 @@
             </a:pPr>
             <a:r>
               <a:rPr lang="en-US" altLang="zh-TW" sz="2000" dirty="0" err="1">
-                <a:latin typeface="標楷體" panose="03000509000000000000" pitchFamily="65" charset="-120"/>
-                <a:ea typeface="標楷體" panose="03000509000000000000" pitchFamily="65" charset="-120"/>
+                <a:latin typeface="Times New Roman" panose="02020603050405020304" pitchFamily="18" charset="0"/>
+                <a:ea typeface="標楷體" panose="03000509000000000000" pitchFamily="65" charset="-120"/>
+                <a:cs typeface="Times New Roman" panose="02020603050405020304" pitchFamily="18" charset="0"/>
               </a:rPr>
               <a:t>numFeats</a:t>
             </a:r>
             <a:r>
               <a:rPr lang="en-US" altLang="zh-TW" sz="2000" dirty="0">
-                <a:latin typeface="標楷體" panose="03000509000000000000" pitchFamily="65" charset="-120"/>
-                <a:ea typeface="標楷體" panose="03000509000000000000" pitchFamily="65" charset="-120"/>
+                <a:latin typeface="Times New Roman" panose="02020603050405020304" pitchFamily="18" charset="0"/>
+                <a:ea typeface="標楷體" panose="03000509000000000000" pitchFamily="65" charset="-120"/>
+                <a:cs typeface="Times New Roman" panose="02020603050405020304" pitchFamily="18" charset="0"/>
               </a:rPr>
               <a:t> =</a:t>
             </a:r>
             <a:r>
               <a:rPr lang="zh-TW" altLang="en-US" sz="2000" dirty="0">
-                <a:latin typeface="標楷體" panose="03000509000000000000" pitchFamily="65" charset="-120"/>
-                <a:ea typeface="標楷體" panose="03000509000000000000" pitchFamily="65" charset="-120"/>
+                <a:latin typeface="Times New Roman" panose="02020603050405020304" pitchFamily="18" charset="0"/>
+                <a:ea typeface="標楷體" panose="03000509000000000000" pitchFamily="65" charset="-120"/>
+                <a:cs typeface="Times New Roman" panose="02020603050405020304" pitchFamily="18" charset="0"/>
               </a:rPr>
               <a:t> </a:t>
             </a:r>
             <a:r>
               <a:rPr lang="en-US" altLang="zh-TW" sz="2000" dirty="0">
-                <a:latin typeface="標楷體" panose="03000509000000000000" pitchFamily="65" charset="-120"/>
-                <a:ea typeface="標楷體" panose="03000509000000000000" pitchFamily="65" charset="-120"/>
+                <a:latin typeface="Times New Roman" panose="02020603050405020304" pitchFamily="18" charset="0"/>
+                <a:ea typeface="標楷體" panose="03000509000000000000" pitchFamily="65" charset="-120"/>
+                <a:cs typeface="Times New Roman" panose="02020603050405020304" pitchFamily="18" charset="0"/>
               </a:rPr>
               <a:t>30</a:t>
             </a:r>
             <a:r>
               <a:rPr lang="zh-TW" altLang="en-US" sz="2000" dirty="0">
-                <a:latin typeface="標楷體" panose="03000509000000000000" pitchFamily="65" charset="-120"/>
-                <a:ea typeface="標楷體" panose="03000509000000000000" pitchFamily="65" charset="-120"/>
+                <a:latin typeface="Times New Roman" panose="02020603050405020304" pitchFamily="18" charset="0"/>
+                <a:ea typeface="標楷體" panose="03000509000000000000" pitchFamily="65" charset="-120"/>
+                <a:cs typeface="Times New Roman" panose="02020603050405020304" pitchFamily="18" charset="0"/>
               </a:rPr>
               <a:t> </a:t>
             </a:r>
@@ -11079,8 +11263,9 @@
                 <a:solidFill>
                   <a:srgbClr val="00B050"/>
                 </a:solidFill>
-                <a:latin typeface="標楷體" panose="03000509000000000000" pitchFamily="65" charset="-120"/>
-                <a:ea typeface="標楷體" panose="03000509000000000000" pitchFamily="65" charset="-120"/>
+                <a:latin typeface="Times New Roman" panose="02020603050405020304" pitchFamily="18" charset="0"/>
+                <a:ea typeface="標楷體" panose="03000509000000000000" pitchFamily="65" charset="-120"/>
+                <a:cs typeface="Times New Roman" panose="02020603050405020304" pitchFamily="18" charset="0"/>
               </a:rPr>
               <a:t>int</a:t>
             </a:r>
@@ -11141,36 +11326,41 @@
             </a:pPr>
             <a:r>
               <a:rPr lang="en-US" altLang="zh-TW" sz="2000" dirty="0" err="1">
-                <a:latin typeface="標楷體" panose="03000509000000000000" pitchFamily="65" charset="-120"/>
-                <a:ea typeface="標楷體" panose="03000509000000000000" pitchFamily="65" charset="-120"/>
+                <a:latin typeface="Times New Roman" panose="02020603050405020304" pitchFamily="18" charset="0"/>
+                <a:ea typeface="標楷體" panose="03000509000000000000" pitchFamily="65" charset="-120"/>
+                <a:cs typeface="Times New Roman" panose="02020603050405020304" pitchFamily="18" charset="0"/>
               </a:rPr>
               <a:t>Repeat_verification</a:t>
             </a:r>
             <a:r>
               <a:rPr lang="en-US" altLang="zh-TW" sz="2000" dirty="0">
-                <a:latin typeface="標楷體" panose="03000509000000000000" pitchFamily="65" charset="-120"/>
-                <a:ea typeface="標楷體" panose="03000509000000000000" pitchFamily="65" charset="-120"/>
+                <a:latin typeface="Times New Roman" panose="02020603050405020304" pitchFamily="18" charset="0"/>
+                <a:ea typeface="標楷體" panose="03000509000000000000" pitchFamily="65" charset="-120"/>
+                <a:cs typeface="Times New Roman" panose="02020603050405020304" pitchFamily="18" charset="0"/>
               </a:rPr>
               <a:t> =</a:t>
             </a:r>
             <a:r>
               <a:rPr lang="zh-TW" altLang="en-US" sz="2000" dirty="0">
-                <a:latin typeface="標楷體" panose="03000509000000000000" pitchFamily="65" charset="-120"/>
-                <a:ea typeface="標楷體" panose="03000509000000000000" pitchFamily="65" charset="-120"/>
+                <a:latin typeface="Times New Roman" panose="02020603050405020304" pitchFamily="18" charset="0"/>
+                <a:ea typeface="標楷體" panose="03000509000000000000" pitchFamily="65" charset="-120"/>
+                <a:cs typeface="Times New Roman" panose="02020603050405020304" pitchFamily="18" charset="0"/>
               </a:rPr>
               <a:t> </a:t>
             </a:r>
             <a:r>
               <a:rPr lang="en-US" altLang="zh-TW" sz="2000" dirty="0">
-                <a:latin typeface="標楷體" panose="03000509000000000000" pitchFamily="65" charset="-120"/>
-                <a:ea typeface="標楷體" panose="03000509000000000000" pitchFamily="65" charset="-120"/>
+                <a:latin typeface="Times New Roman" panose="02020603050405020304" pitchFamily="18" charset="0"/>
+                <a:ea typeface="標楷體" panose="03000509000000000000" pitchFamily="65" charset="-120"/>
+                <a:cs typeface="Times New Roman" panose="02020603050405020304" pitchFamily="18" charset="0"/>
               </a:rPr>
               <a:t>30</a:t>
             </a:r>
             <a:r>
               <a:rPr lang="zh-TW" altLang="en-US" sz="2000" dirty="0">
-                <a:latin typeface="標楷體" panose="03000509000000000000" pitchFamily="65" charset="-120"/>
-                <a:ea typeface="標楷體" panose="03000509000000000000" pitchFamily="65" charset="-120"/>
+                <a:latin typeface="Times New Roman" panose="02020603050405020304" pitchFamily="18" charset="0"/>
+                <a:ea typeface="標楷體" panose="03000509000000000000" pitchFamily="65" charset="-120"/>
+                <a:cs typeface="Times New Roman" panose="02020603050405020304" pitchFamily="18" charset="0"/>
               </a:rPr>
               <a:t> </a:t>
             </a:r>
@@ -11200,8 +11390,9 @@
                 <a:solidFill>
                   <a:srgbClr val="00B050"/>
                 </a:solidFill>
-                <a:latin typeface="標楷體" panose="03000509000000000000" pitchFamily="65" charset="-120"/>
-                <a:ea typeface="標楷體" panose="03000509000000000000" pitchFamily="65" charset="-120"/>
+                <a:latin typeface="Times New Roman" panose="02020603050405020304" pitchFamily="18" charset="0"/>
+                <a:ea typeface="標楷體" panose="03000509000000000000" pitchFamily="65" charset="-120"/>
+                <a:cs typeface="Times New Roman" panose="02020603050405020304" pitchFamily="18" charset="0"/>
               </a:rPr>
               <a:t>int</a:t>
             </a:r>
@@ -11248,10 +11439,18 @@
             </a:pPr>
             <a:r>
               <a:rPr lang="en-US" altLang="zh-TW" sz="2000" dirty="0">
-                <a:latin typeface="標楷體" panose="03000509000000000000" pitchFamily="65" charset="-120"/>
-                <a:ea typeface="標楷體" panose="03000509000000000000" pitchFamily="65" charset="-120"/>
-              </a:rPr>
-              <a:t>data :</a:t>
+                <a:latin typeface="Times New Roman" panose="02020603050405020304" pitchFamily="18" charset="0"/>
+                <a:ea typeface="標楷體" panose="03000509000000000000" pitchFamily="65" charset="-120"/>
+                <a:cs typeface="Times New Roman" panose="02020603050405020304" pitchFamily="18" charset="0"/>
+              </a:rPr>
+              <a:t>data</a:t>
+            </a:r>
+            <a:r>
+              <a:rPr lang="en-US" altLang="zh-TW" sz="2000" dirty="0">
+                <a:latin typeface="標楷體" panose="03000509000000000000" pitchFamily="65" charset="-120"/>
+                <a:ea typeface="標楷體" panose="03000509000000000000" pitchFamily="65" charset="-120"/>
+              </a:rPr>
+              <a:t> :</a:t>
             </a:r>
             <a:r>
               <a:rPr lang="zh-TW" altLang="en-US" sz="2000" dirty="0">
@@ -11289,10 +11488,18 @@
             </a:pPr>
             <a:r>
               <a:rPr lang="en-US" altLang="zh-TW" sz="2000" dirty="0">
-                <a:latin typeface="標楷體" panose="03000509000000000000" pitchFamily="65" charset="-120"/>
-                <a:ea typeface="標楷體" panose="03000509000000000000" pitchFamily="65" charset="-120"/>
-              </a:rPr>
-              <a:t>labels :</a:t>
+                <a:latin typeface="Times New Roman" panose="02020603050405020304" pitchFamily="18" charset="0"/>
+                <a:ea typeface="標楷體" panose="03000509000000000000" pitchFamily="65" charset="-120"/>
+                <a:cs typeface="Times New Roman" panose="02020603050405020304" pitchFamily="18" charset="0"/>
+              </a:rPr>
+              <a:t>labels</a:t>
+            </a:r>
+            <a:r>
+              <a:rPr lang="en-US" altLang="zh-TW" sz="2000" dirty="0">
+                <a:latin typeface="標楷體" panose="03000509000000000000" pitchFamily="65" charset="-120"/>
+                <a:ea typeface="標楷體" panose="03000509000000000000" pitchFamily="65" charset="-120"/>
+              </a:rPr>
+              <a:t> :</a:t>
             </a:r>
             <a:r>
               <a:rPr lang="zh-TW" altLang="en-US" sz="2000" dirty="0">
@@ -11316,36 +11523,41 @@
             </a:pPr>
             <a:r>
               <a:rPr lang="en-US" altLang="zh-TW" sz="2000" dirty="0" err="1">
-                <a:latin typeface="標楷體" panose="03000509000000000000" pitchFamily="65" charset="-120"/>
-                <a:ea typeface="標楷體" panose="03000509000000000000" pitchFamily="65" charset="-120"/>
+                <a:latin typeface="Times New Roman" panose="02020603050405020304" pitchFamily="18" charset="0"/>
+                <a:ea typeface="標楷體" panose="03000509000000000000" pitchFamily="65" charset="-120"/>
+                <a:cs typeface="Times New Roman" panose="02020603050405020304" pitchFamily="18" charset="0"/>
               </a:rPr>
               <a:t>Split_quantity</a:t>
             </a:r>
             <a:r>
               <a:rPr lang="en-US" altLang="zh-TW" sz="2000" dirty="0">
-                <a:latin typeface="標楷體" panose="03000509000000000000" pitchFamily="65" charset="-120"/>
-                <a:ea typeface="標楷體" panose="03000509000000000000" pitchFamily="65" charset="-120"/>
+                <a:latin typeface="Times New Roman" panose="02020603050405020304" pitchFamily="18" charset="0"/>
+                <a:ea typeface="標楷體" panose="03000509000000000000" pitchFamily="65" charset="-120"/>
+                <a:cs typeface="Times New Roman" panose="02020603050405020304" pitchFamily="18" charset="0"/>
               </a:rPr>
               <a:t> =</a:t>
             </a:r>
             <a:r>
               <a:rPr lang="zh-TW" altLang="en-US" sz="2000" dirty="0">
-                <a:latin typeface="標楷體" panose="03000509000000000000" pitchFamily="65" charset="-120"/>
-                <a:ea typeface="標楷體" panose="03000509000000000000" pitchFamily="65" charset="-120"/>
+                <a:latin typeface="Times New Roman" panose="02020603050405020304" pitchFamily="18" charset="0"/>
+                <a:ea typeface="標楷體" panose="03000509000000000000" pitchFamily="65" charset="-120"/>
+                <a:cs typeface="Times New Roman" panose="02020603050405020304" pitchFamily="18" charset="0"/>
               </a:rPr>
               <a:t> </a:t>
             </a:r>
             <a:r>
               <a:rPr lang="en-US" altLang="zh-TW" sz="2000" dirty="0">
-                <a:latin typeface="標楷體" panose="03000509000000000000" pitchFamily="65" charset="-120"/>
-                <a:ea typeface="標楷體" panose="03000509000000000000" pitchFamily="65" charset="-120"/>
+                <a:latin typeface="Times New Roman" panose="02020603050405020304" pitchFamily="18" charset="0"/>
+                <a:ea typeface="標楷體" panose="03000509000000000000" pitchFamily="65" charset="-120"/>
+                <a:cs typeface="Times New Roman" panose="02020603050405020304" pitchFamily="18" charset="0"/>
               </a:rPr>
               <a:t>4</a:t>
             </a:r>
             <a:r>
               <a:rPr lang="zh-TW" altLang="en-US" sz="2000" dirty="0">
-                <a:latin typeface="標楷體" panose="03000509000000000000" pitchFamily="65" charset="-120"/>
-                <a:ea typeface="標楷體" panose="03000509000000000000" pitchFamily="65" charset="-120"/>
+                <a:latin typeface="Times New Roman" panose="02020603050405020304" pitchFamily="18" charset="0"/>
+                <a:ea typeface="標楷體" panose="03000509000000000000" pitchFamily="65" charset="-120"/>
+                <a:cs typeface="Times New Roman" panose="02020603050405020304" pitchFamily="18" charset="0"/>
               </a:rPr>
               <a:t> </a:t>
             </a:r>
@@ -11375,8 +11587,9 @@
                 <a:solidFill>
                   <a:srgbClr val="00B050"/>
                 </a:solidFill>
-                <a:latin typeface="標楷體" panose="03000509000000000000" pitchFamily="65" charset="-120"/>
-                <a:ea typeface="標楷體" panose="03000509000000000000" pitchFamily="65" charset="-120"/>
+                <a:latin typeface="Times New Roman" panose="02020603050405020304" pitchFamily="18" charset="0"/>
+                <a:ea typeface="標楷體" panose="03000509000000000000" pitchFamily="65" charset="-120"/>
+                <a:cs typeface="Times New Roman" panose="02020603050405020304" pitchFamily="18" charset="0"/>
               </a:rPr>
               <a:t>int</a:t>
             </a:r>
@@ -11396,8 +11609,9 @@
             </a:r>
             <a:r>
               <a:rPr lang="en-US" altLang="zh-TW" sz="2000" dirty="0">
-                <a:latin typeface="標楷體" panose="03000509000000000000" pitchFamily="65" charset="-120"/>
-                <a:ea typeface="標楷體" panose="03000509000000000000" pitchFamily="65" charset="-120"/>
+                <a:latin typeface="Times New Roman" panose="02020603050405020304" pitchFamily="18" charset="0"/>
+                <a:ea typeface="標楷體" panose="03000509000000000000" pitchFamily="65" charset="-120"/>
+                <a:cs typeface="Times New Roman" panose="02020603050405020304" pitchFamily="18" charset="0"/>
               </a:rPr>
               <a:t>k-fold</a:t>
             </a:r>
@@ -11410,8 +11624,9 @@
             </a:r>
             <a:r>
               <a:rPr lang="en-US" altLang="zh-TW" sz="2000" dirty="0">
-                <a:latin typeface="標楷體" panose="03000509000000000000" pitchFamily="65" charset="-120"/>
-                <a:ea typeface="標楷體" panose="03000509000000000000" pitchFamily="65" charset="-120"/>
+                <a:latin typeface="Times New Roman" panose="02020603050405020304" pitchFamily="18" charset="0"/>
+                <a:ea typeface="標楷體" panose="03000509000000000000" pitchFamily="65" charset="-120"/>
+                <a:cs typeface="Times New Roman" panose="02020603050405020304" pitchFamily="18" charset="0"/>
               </a:rPr>
               <a:t>fold</a:t>
             </a:r>
@@ -11424,8 +11639,9 @@
             </a:r>
             <a:r>
               <a:rPr lang="en-US" altLang="zh-TW" sz="2000" dirty="0">
-                <a:latin typeface="標楷體" panose="03000509000000000000" pitchFamily="65" charset="-120"/>
-                <a:ea typeface="標楷體" panose="03000509000000000000" pitchFamily="65" charset="-120"/>
+                <a:latin typeface="Times New Roman" panose="02020603050405020304" pitchFamily="18" charset="0"/>
+                <a:ea typeface="標楷體" panose="03000509000000000000" pitchFamily="65" charset="-120"/>
+                <a:cs typeface="Times New Roman" panose="02020603050405020304" pitchFamily="18" charset="0"/>
               </a:rPr>
               <a:t>4</a:t>
             </a:r>
@@ -11438,8 +11654,9 @@
             </a:r>
             <a:r>
               <a:rPr lang="en-US" altLang="zh-TW" sz="2000" dirty="0">
-                <a:latin typeface="標楷體" panose="03000509000000000000" pitchFamily="65" charset="-120"/>
-                <a:ea typeface="標楷體" panose="03000509000000000000" pitchFamily="65" charset="-120"/>
+                <a:latin typeface="Times New Roman" panose="02020603050405020304" pitchFamily="18" charset="0"/>
+                <a:ea typeface="標楷體" panose="03000509000000000000" pitchFamily="65" charset="-120"/>
+                <a:cs typeface="Times New Roman" panose="02020603050405020304" pitchFamily="18" charset="0"/>
               </a:rPr>
               <a:t>fold</a:t>
             </a:r>
@@ -11452,8 +11669,9 @@
             </a:r>
             <a:r>
               <a:rPr lang="en-US" altLang="zh-TW" sz="2000" dirty="0">
-                <a:latin typeface="標楷體" panose="03000509000000000000" pitchFamily="65" charset="-120"/>
-                <a:ea typeface="標楷體" panose="03000509000000000000" pitchFamily="65" charset="-120"/>
+                <a:latin typeface="Times New Roman" panose="02020603050405020304" pitchFamily="18" charset="0"/>
+                <a:ea typeface="標楷體" panose="03000509000000000000" pitchFamily="65" charset="-120"/>
+                <a:cs typeface="Times New Roman" panose="02020603050405020304" pitchFamily="18" charset="0"/>
               </a:rPr>
               <a:t>4</a:t>
             </a:r>
@@ -11498,8 +11716,9 @@
                 <a:highlight>
                   <a:srgbClr val="00FF00"/>
                 </a:highlight>
-                <a:latin typeface="標楷體" panose="03000509000000000000" pitchFamily="65" charset="-120"/>
-                <a:ea typeface="標楷體" panose="03000509000000000000" pitchFamily="65" charset="-120"/>
+                <a:latin typeface="Times New Roman" panose="02020603050405020304" pitchFamily="18" charset="0"/>
+                <a:ea typeface="標楷體" panose="03000509000000000000" pitchFamily="65" charset="-120"/>
+                <a:cs typeface="Times New Roman" panose="02020603050405020304" pitchFamily="18" charset="0"/>
               </a:rPr>
               <a:t>selection_method</a:t>
             </a:r>
@@ -11524,8 +11743,9 @@
                 <a:highlight>
                   <a:srgbClr val="00FF00"/>
                 </a:highlight>
-                <a:latin typeface="標楷體" panose="03000509000000000000" pitchFamily="65" charset="-120"/>
-                <a:ea typeface="標楷體" panose="03000509000000000000" pitchFamily="65" charset="-120"/>
+                <a:latin typeface="Times New Roman" panose="02020603050405020304" pitchFamily="18" charset="0"/>
+                <a:ea typeface="標楷體" panose="03000509000000000000" pitchFamily="65" charset="-120"/>
+                <a:cs typeface="Times New Roman" panose="02020603050405020304" pitchFamily="18" charset="0"/>
               </a:rPr>
               <a:t>1</a:t>
             </a:r>
@@ -11550,8 +11770,9 @@
                 <a:highlight>
                   <a:srgbClr val="00FF00"/>
                 </a:highlight>
-                <a:latin typeface="標楷體" panose="03000509000000000000" pitchFamily="65" charset="-120"/>
-                <a:ea typeface="標楷體" panose="03000509000000000000" pitchFamily="65" charset="-120"/>
+                <a:latin typeface="Times New Roman" panose="02020603050405020304" pitchFamily="18" charset="0"/>
+                <a:ea typeface="標楷體" panose="03000509000000000000" pitchFamily="65" charset="-120"/>
+                <a:cs typeface="Times New Roman" panose="02020603050405020304" pitchFamily="18" charset="0"/>
               </a:rPr>
               <a:t>3</a:t>
             </a:r>
@@ -11895,8 +12116,9 @@
             </a:pPr>
             <a:r>
               <a:rPr lang="en-US" altLang="zh-TW" sz="2000" dirty="0">
-                <a:latin typeface="標楷體" panose="03000509000000000000" pitchFamily="65" charset="-120"/>
-                <a:ea typeface="標楷體" panose="03000509000000000000" pitchFamily="65" charset="-120"/>
+                <a:latin typeface="Times New Roman" panose="02020603050405020304" pitchFamily="18" charset="0"/>
+                <a:ea typeface="標楷體" panose="03000509000000000000" pitchFamily="65" charset="-120"/>
+                <a:cs typeface="Times New Roman" panose="02020603050405020304" pitchFamily="18" charset="0"/>
               </a:rPr>
               <a:t>input</a:t>
             </a:r>
@@ -11922,10 +12144,18 @@
             </a:pPr>
             <a:r>
               <a:rPr lang="en-US" altLang="zh-TW" sz="2000" dirty="0">
-                <a:latin typeface="標楷體" panose="03000509000000000000" pitchFamily="65" charset="-120"/>
-                <a:ea typeface="標楷體" panose="03000509000000000000" pitchFamily="65" charset="-120"/>
-              </a:rPr>
-              <a:t>indices :</a:t>
+                <a:latin typeface="Times New Roman" panose="02020603050405020304" pitchFamily="18" charset="0"/>
+                <a:ea typeface="標楷體" panose="03000509000000000000" pitchFamily="65" charset="-120"/>
+                <a:cs typeface="Times New Roman" panose="02020603050405020304" pitchFamily="18" charset="0"/>
+              </a:rPr>
+              <a:t>indices</a:t>
+            </a:r>
+            <a:r>
+              <a:rPr lang="en-US" altLang="zh-TW" sz="2000" dirty="0">
+                <a:latin typeface="標楷體" panose="03000509000000000000" pitchFamily="65" charset="-120"/>
+                <a:ea typeface="標楷體" panose="03000509000000000000" pitchFamily="65" charset="-120"/>
+              </a:rPr>
+              <a:t> :</a:t>
             </a:r>
             <a:r>
               <a:rPr lang="zh-TW" altLang="en-US" sz="2000" dirty="0">
@@ -11942,8 +12172,9 @@
                 <a:solidFill>
                   <a:srgbClr val="00B0F0"/>
                 </a:solidFill>
-                <a:latin typeface="標楷體" panose="03000509000000000000" pitchFamily="65" charset="-120"/>
-                <a:ea typeface="標楷體" panose="03000509000000000000" pitchFamily="65" charset="-120"/>
+                <a:latin typeface="Times New Roman" panose="02020603050405020304" pitchFamily="18" charset="0"/>
+                <a:ea typeface="標楷體" panose="03000509000000000000" pitchFamily="65" charset="-120"/>
+                <a:cs typeface="Times New Roman" panose="02020603050405020304" pitchFamily="18" charset="0"/>
               </a:rPr>
               <a:t>ga_mix_tree_Fnc</a:t>
             </a:r>
@@ -11962,12 +12193,28 @@
                 <a:latin typeface="標楷體" panose="03000509000000000000" pitchFamily="65" charset="-120"/>
                 <a:ea typeface="標楷體" panose="03000509000000000000" pitchFamily="65" charset="-120"/>
               </a:rPr>
-              <a:t>此為根據不同的</a:t>
-            </a:r>
-            <a:r>
-              <a:rPr lang="en-US" altLang="zh-TW" sz="2000" dirty="0">
-                <a:latin typeface="標楷體" panose="03000509000000000000" pitchFamily="65" charset="-120"/>
-                <a:ea typeface="標楷體" panose="03000509000000000000" pitchFamily="65" charset="-120"/>
+              <a:t>此參數會為</a:t>
+            </a:r>
+            <a:r>
+              <a:rPr lang="en-US" altLang="zh-TW" sz="2000" dirty="0">
+                <a:latin typeface="Times New Roman" panose="02020603050405020304" pitchFamily="18" charset="0"/>
+                <a:ea typeface="標楷體" panose="03000509000000000000" pitchFamily="65" charset="-120"/>
+                <a:cs typeface="Times New Roman" panose="02020603050405020304" pitchFamily="18" charset="0"/>
+              </a:rPr>
+              <a:t>data</a:t>
+            </a:r>
+            <a:r>
+              <a:rPr lang="zh-TW" altLang="en-US" sz="2000" dirty="0">
+                <a:latin typeface="標楷體" panose="03000509000000000000" pitchFamily="65" charset="-120"/>
+                <a:ea typeface="標楷體" panose="03000509000000000000" pitchFamily="65" charset="-120"/>
+              </a:rPr>
+              <a:t>編號來分出不同的</a:t>
+            </a:r>
+            <a:r>
+              <a:rPr lang="en-US" altLang="zh-TW" sz="2000" dirty="0">
+                <a:latin typeface="Times New Roman" panose="02020603050405020304" pitchFamily="18" charset="0"/>
+                <a:ea typeface="標楷體" panose="03000509000000000000" pitchFamily="65" charset="-120"/>
+                <a:cs typeface="Times New Roman" panose="02020603050405020304" pitchFamily="18" charset="0"/>
               </a:rPr>
               <a:t>fold</a:t>
             </a:r>
@@ -11976,26 +12223,13 @@
                 <a:latin typeface="標楷體" panose="03000509000000000000" pitchFamily="65" charset="-120"/>
                 <a:ea typeface="標楷體" panose="03000509000000000000" pitchFamily="65" charset="-120"/>
               </a:rPr>
-              <a:t>為</a:t>
-            </a:r>
-            <a:r>
-              <a:rPr lang="en-US" altLang="zh-TW" sz="2000" dirty="0">
-                <a:latin typeface="標楷體" panose="03000509000000000000" pitchFamily="65" charset="-120"/>
-                <a:ea typeface="標楷體" panose="03000509000000000000" pitchFamily="65" charset="-120"/>
-              </a:rPr>
-              <a:t>data</a:t>
-            </a:r>
-            <a:r>
-              <a:rPr lang="zh-TW" altLang="en-US" sz="2000" dirty="0">
-                <a:latin typeface="標楷體" panose="03000509000000000000" pitchFamily="65" charset="-120"/>
-                <a:ea typeface="標楷體" panose="03000509000000000000" pitchFamily="65" charset="-120"/>
-              </a:rPr>
-              <a:t>編號的數據，會根據</a:t>
+              <a:t>，會根據</a:t>
             </a:r>
             <a:r>
               <a:rPr lang="en-US" altLang="zh-TW" sz="2000" dirty="0" err="1">
-                <a:latin typeface="標楷體" panose="03000509000000000000" pitchFamily="65" charset="-120"/>
-                <a:ea typeface="標楷體" panose="03000509000000000000" pitchFamily="65" charset="-120"/>
+                <a:latin typeface="Times New Roman" panose="02020603050405020304" pitchFamily="18" charset="0"/>
+                <a:ea typeface="標楷體" panose="03000509000000000000" pitchFamily="65" charset="-120"/>
+                <a:cs typeface="Times New Roman" panose="02020603050405020304" pitchFamily="18" charset="0"/>
               </a:rPr>
               <a:t>selection_method</a:t>
             </a:r>
@@ -12024,7 +12258,7 @@
                 <a:latin typeface="標楷體" panose="03000509000000000000" pitchFamily="65" charset="-120"/>
                 <a:ea typeface="標楷體" panose="03000509000000000000" pitchFamily="65" charset="-120"/>
               </a:rPr>
-              <a:t>請注意不要更動到此參數，若更動則會影響後續解讀檔案和驗證的超參數時資料的正確性</a:t>
+              <a:t>請勿更動此參數，若更動則會影響後續解讀檔案和驗證的超參數時資料的正確性</a:t>
             </a:r>
             <a:endParaRPr lang="en-US" altLang="zh-TW" sz="2000" dirty="0">
               <a:solidFill>
@@ -12041,17 +12275,26 @@
             </a:pPr>
             <a:r>
               <a:rPr lang="en-US" altLang="zh-TW" sz="2000" dirty="0" err="1">
-                <a:latin typeface="標楷體" panose="03000509000000000000" pitchFamily="65" charset="-120"/>
-                <a:ea typeface="標楷體" panose="03000509000000000000" pitchFamily="65" charset="-120"/>
+                <a:latin typeface="Times New Roman" panose="02020603050405020304" pitchFamily="18" charset="0"/>
+                <a:ea typeface="標楷體" panose="03000509000000000000" pitchFamily="65" charset="-120"/>
+                <a:cs typeface="Times New Roman" panose="02020603050405020304" pitchFamily="18" charset="0"/>
               </a:rPr>
               <a:t>RF_mode</a:t>
             </a:r>
             <a:r>
               <a:rPr lang="en-US" altLang="zh-TW" sz="2000" dirty="0">
-                <a:latin typeface="標楷體" panose="03000509000000000000" pitchFamily="65" charset="-120"/>
-                <a:ea typeface="標楷體" panose="03000509000000000000" pitchFamily="65" charset="-120"/>
-              </a:rPr>
-              <a:t> =</a:t>
+                <a:latin typeface="Times New Roman" panose="02020603050405020304" pitchFamily="18" charset="0"/>
+                <a:ea typeface="標楷體" panose="03000509000000000000" pitchFamily="65" charset="-120"/>
+                <a:cs typeface="Times New Roman" panose="02020603050405020304" pitchFamily="18" charset="0"/>
+              </a:rPr>
+              <a:t> </a:t>
+            </a:r>
+            <a:r>
+              <a:rPr lang="en-US" altLang="zh-TW" sz="2000" dirty="0">
+                <a:latin typeface="標楷體" panose="03000509000000000000" pitchFamily="65" charset="-120"/>
+                <a:ea typeface="標楷體" panose="03000509000000000000" pitchFamily="65" charset="-120"/>
+              </a:rPr>
+              <a:t>=</a:t>
             </a:r>
             <a:r>
               <a:rPr lang="zh-TW" altLang="en-US" sz="2000" dirty="0">
@@ -12094,8 +12337,9 @@
                 <a:solidFill>
                   <a:srgbClr val="CC00CC"/>
                 </a:solidFill>
-                <a:latin typeface="標楷體" panose="03000509000000000000" pitchFamily="65" charset="-120"/>
-                <a:ea typeface="標楷體" panose="03000509000000000000" pitchFamily="65" charset="-120"/>
+                <a:latin typeface="Times New Roman" panose="02020603050405020304" pitchFamily="18" charset="0"/>
+                <a:ea typeface="標楷體" panose="03000509000000000000" pitchFamily="65" charset="-120"/>
+                <a:cs typeface="Times New Roman" panose="02020603050405020304" pitchFamily="18" charset="0"/>
               </a:rPr>
               <a:t>str</a:t>
             </a:r>
@@ -12189,8 +12433,9 @@
                 <a:solidFill>
                   <a:srgbClr val="FF0000"/>
                 </a:solidFill>
-                <a:latin typeface="標楷體" panose="03000509000000000000" pitchFamily="65" charset="-120"/>
-                <a:ea typeface="標楷體" panose="03000509000000000000" pitchFamily="65" charset="-120"/>
+                <a:latin typeface="Times New Roman" panose="02020603050405020304" pitchFamily="18" charset="0"/>
+                <a:ea typeface="標楷體" panose="03000509000000000000" pitchFamily="65" charset="-120"/>
+                <a:cs typeface="Times New Roman" panose="02020603050405020304" pitchFamily="18" charset="0"/>
               </a:rPr>
               <a:t>ga_mix_tree_Fnc</a:t>
             </a:r>
@@ -12219,15 +12464,17 @@
             </a:pPr>
             <a:r>
               <a:rPr lang="en-US" altLang="zh-TW" sz="2000" dirty="0" err="1">
-                <a:latin typeface="標楷體" panose="03000509000000000000" pitchFamily="65" charset="-120"/>
-                <a:ea typeface="標楷體" panose="03000509000000000000" pitchFamily="65" charset="-120"/>
+                <a:latin typeface="Times New Roman" panose="02020603050405020304" pitchFamily="18" charset="0"/>
+                <a:ea typeface="標楷體" panose="03000509000000000000" pitchFamily="65" charset="-120"/>
+                <a:cs typeface="Times New Roman" panose="02020603050405020304" pitchFamily="18" charset="0"/>
               </a:rPr>
               <a:t>selection_method</a:t>
             </a:r>
             <a:r>
               <a:rPr lang="en-US" altLang="zh-TW" sz="2000" dirty="0">
-                <a:latin typeface="標楷體" panose="03000509000000000000" pitchFamily="65" charset="-120"/>
-                <a:ea typeface="標楷體" panose="03000509000000000000" pitchFamily="65" charset="-120"/>
+                <a:latin typeface="Times New Roman" panose="02020603050405020304" pitchFamily="18" charset="0"/>
+                <a:ea typeface="標楷體" panose="03000509000000000000" pitchFamily="65" charset="-120"/>
+                <a:cs typeface="Times New Roman" panose="02020603050405020304" pitchFamily="18" charset="0"/>
               </a:rPr>
               <a:t> = [1] or [2] or [3] :</a:t>
             </a:r>
@@ -12250,8 +12497,9 @@
                 <a:solidFill>
                   <a:srgbClr val="00B050"/>
                 </a:solidFill>
-                <a:latin typeface="標楷體" panose="03000509000000000000" pitchFamily="65" charset="-120"/>
-                <a:ea typeface="標楷體" panose="03000509000000000000" pitchFamily="65" charset="-120"/>
+                <a:latin typeface="Times New Roman" panose="02020603050405020304" pitchFamily="18" charset="0"/>
+                <a:ea typeface="標楷體" panose="03000509000000000000" pitchFamily="65" charset="-120"/>
+                <a:cs typeface="Times New Roman" panose="02020603050405020304" pitchFamily="18" charset="0"/>
               </a:rPr>
               <a:t>int</a:t>
             </a:r>
@@ -12608,8 +12856,9 @@
             </a:pPr>
             <a:r>
               <a:rPr lang="en-US" altLang="zh-TW" sz="2000" dirty="0">
-                <a:latin typeface="標楷體" panose="03000509000000000000" pitchFamily="65" charset="-120"/>
-                <a:ea typeface="標楷體" panose="03000509000000000000" pitchFamily="65" charset="-120"/>
+                <a:latin typeface="Times New Roman" panose="02020603050405020304" pitchFamily="18" charset="0"/>
+                <a:ea typeface="標楷體" panose="03000509000000000000" pitchFamily="65" charset="-120"/>
+                <a:cs typeface="Times New Roman" panose="02020603050405020304" pitchFamily="18" charset="0"/>
               </a:rPr>
               <a:t>output</a:t>
             </a:r>
@@ -12635,15 +12884,17 @@
             </a:pPr>
             <a:r>
               <a:rPr lang="en-US" altLang="zh-TW" sz="2000" dirty="0" err="1">
-                <a:latin typeface="標楷體" panose="03000509000000000000" pitchFamily="65" charset="-120"/>
-                <a:ea typeface="標楷體" panose="03000509000000000000" pitchFamily="65" charset="-120"/>
+                <a:latin typeface="Times New Roman" panose="02020603050405020304" pitchFamily="18" charset="0"/>
+                <a:ea typeface="標楷體" panose="03000509000000000000" pitchFamily="65" charset="-120"/>
+                <a:cs typeface="Times New Roman" panose="02020603050405020304" pitchFamily="18" charset="0"/>
               </a:rPr>
               <a:t>best_answer</a:t>
             </a:r>
             <a:r>
               <a:rPr lang="en-US" altLang="zh-TW" sz="2000" dirty="0">
-                <a:latin typeface="標楷體" panose="03000509000000000000" pitchFamily="65" charset="-120"/>
-                <a:ea typeface="標楷體" panose="03000509000000000000" pitchFamily="65" charset="-120"/>
+                <a:latin typeface="Times New Roman" panose="02020603050405020304" pitchFamily="18" charset="0"/>
+                <a:ea typeface="標楷體" panose="03000509000000000000" pitchFamily="65" charset="-120"/>
+                <a:cs typeface="Times New Roman" panose="02020603050405020304" pitchFamily="18" charset="0"/>
               </a:rPr>
               <a:t> :</a:t>
             </a:r>
@@ -12656,8 +12907,9 @@
             </a:r>
             <a:r>
               <a:rPr lang="en-US" altLang="zh-TW" sz="2000" dirty="0">
-                <a:latin typeface="標楷體" panose="03000509000000000000" pitchFamily="65" charset="-120"/>
-                <a:ea typeface="標楷體" panose="03000509000000000000" pitchFamily="65" charset="-120"/>
+                <a:latin typeface="Times New Roman" panose="02020603050405020304" pitchFamily="18" charset="0"/>
+                <a:ea typeface="標楷體" panose="03000509000000000000" pitchFamily="65" charset="-120"/>
+                <a:cs typeface="Times New Roman" panose="02020603050405020304" pitchFamily="18" charset="0"/>
               </a:rPr>
               <a:t>3</a:t>
             </a:r>
@@ -12670,22 +12922,25 @@
             </a:r>
             <a:r>
               <a:rPr lang="en-US" altLang="zh-TW" sz="2000" dirty="0">
-                <a:latin typeface="標楷體" panose="03000509000000000000" pitchFamily="65" charset="-120"/>
-                <a:ea typeface="標楷體" panose="03000509000000000000" pitchFamily="65" charset="-120"/>
+                <a:latin typeface="Times New Roman" panose="02020603050405020304" pitchFamily="18" charset="0"/>
+                <a:ea typeface="標楷體" panose="03000509000000000000" pitchFamily="65" charset="-120"/>
+                <a:cs typeface="Times New Roman" panose="02020603050405020304" pitchFamily="18" charset="0"/>
               </a:rPr>
               <a:t>1</a:t>
             </a:r>
             <a:r>
               <a:rPr lang="zh-TW" altLang="en-US" sz="2000" dirty="0">
-                <a:latin typeface="標楷體" panose="03000509000000000000" pitchFamily="65" charset="-120"/>
-                <a:ea typeface="標楷體" panose="03000509000000000000" pitchFamily="65" charset="-120"/>
+                <a:latin typeface="Times New Roman" panose="02020603050405020304" pitchFamily="18" charset="0"/>
+                <a:ea typeface="標楷體" panose="03000509000000000000" pitchFamily="65" charset="-120"/>
+                <a:cs typeface="Times New Roman" panose="02020603050405020304" pitchFamily="18" charset="0"/>
               </a:rPr>
               <a:t>*</a:t>
             </a:r>
             <a:r>
               <a:rPr lang="en-US" altLang="zh-TW" sz="2000" dirty="0">
-                <a:latin typeface="標楷體" panose="03000509000000000000" pitchFamily="65" charset="-120"/>
-                <a:ea typeface="標楷體" panose="03000509000000000000" pitchFamily="65" charset="-120"/>
+                <a:latin typeface="Times New Roman" panose="02020603050405020304" pitchFamily="18" charset="0"/>
+                <a:ea typeface="標楷體" panose="03000509000000000000" pitchFamily="65" charset="-120"/>
+                <a:cs typeface="Times New Roman" panose="02020603050405020304" pitchFamily="18" charset="0"/>
               </a:rPr>
               <a:t>3</a:t>
             </a:r>
@@ -12708,15 +12963,17 @@
             </a:pPr>
             <a:r>
               <a:rPr lang="en-US" altLang="zh-TW" sz="2000" dirty="0" err="1">
-                <a:latin typeface="標楷體" panose="03000509000000000000" pitchFamily="65" charset="-120"/>
-                <a:ea typeface="標楷體" panose="03000509000000000000" pitchFamily="65" charset="-120"/>
+                <a:latin typeface="Times New Roman" panose="02020603050405020304" pitchFamily="18" charset="0"/>
+                <a:ea typeface="標楷體" panose="03000509000000000000" pitchFamily="65" charset="-120"/>
+                <a:cs typeface="Times New Roman" panose="02020603050405020304" pitchFamily="18" charset="0"/>
               </a:rPr>
               <a:t>best_score</a:t>
             </a:r>
             <a:r>
               <a:rPr lang="en-US" altLang="zh-TW" sz="2000" dirty="0">
-                <a:latin typeface="標楷體" panose="03000509000000000000" pitchFamily="65" charset="-120"/>
-                <a:ea typeface="標楷體" panose="03000509000000000000" pitchFamily="65" charset="-120"/>
+                <a:latin typeface="Times New Roman" panose="02020603050405020304" pitchFamily="18" charset="0"/>
+                <a:ea typeface="標楷體" panose="03000509000000000000" pitchFamily="65" charset="-120"/>
+                <a:cs typeface="Times New Roman" panose="02020603050405020304" pitchFamily="18" charset="0"/>
               </a:rPr>
               <a:t> :</a:t>
             </a:r>
@@ -12746,7 +13003,15 @@
                 <a:latin typeface="標楷體" panose="03000509000000000000" pitchFamily="65" charset="-120"/>
                 <a:ea typeface="標楷體" panose="03000509000000000000" pitchFamily="65" charset="-120"/>
               </a:rPr>
-              <a:t>]MSE</a:t>
+              <a:t>]</a:t>
+            </a:r>
+            <a:r>
+              <a:rPr lang="en-US" altLang="zh-TW" sz="2000" dirty="0">
+                <a:latin typeface="Times New Roman" panose="02020603050405020304" pitchFamily="18" charset="0"/>
+                <a:ea typeface="標楷體" panose="03000509000000000000" pitchFamily="65" charset="-120"/>
+                <a:cs typeface="Times New Roman" panose="02020603050405020304" pitchFamily="18" charset="0"/>
+              </a:rPr>
+              <a:t>MSE</a:t>
             </a:r>
             <a:r>
               <a:rPr lang="zh-TW" altLang="en-US" sz="2000" dirty="0">
@@ -12827,8 +13092,9 @@
             </a:r>
             <a:r>
               <a:rPr lang="en-US" altLang="zh-TW" sz="2000" dirty="0">
-                <a:latin typeface="標楷體" panose="03000509000000000000" pitchFamily="65" charset="-120"/>
-                <a:ea typeface="標楷體" panose="03000509000000000000" pitchFamily="65" charset="-120"/>
+                <a:latin typeface="Times New Roman" panose="02020603050405020304" pitchFamily="18" charset="0"/>
+                <a:ea typeface="標楷體" panose="03000509000000000000" pitchFamily="65" charset="-120"/>
+                <a:cs typeface="Times New Roman" panose="02020603050405020304" pitchFamily="18" charset="0"/>
               </a:rPr>
               <a:t>RF</a:t>
             </a:r>
@@ -12872,7 +13138,15 @@
                 <a:latin typeface="標楷體" panose="03000509000000000000" pitchFamily="65" charset="-120"/>
                 <a:ea typeface="標楷體" panose="03000509000000000000" pitchFamily="65" charset="-120"/>
               </a:rPr>
-              <a:t>] MSE</a:t>
+              <a:t>] </a:t>
+            </a:r>
+            <a:r>
+              <a:rPr lang="en-US" altLang="zh-TW" sz="2000" dirty="0">
+                <a:latin typeface="Times New Roman" panose="02020603050405020304" pitchFamily="18" charset="0"/>
+                <a:ea typeface="標楷體" panose="03000509000000000000" pitchFamily="65" charset="-120"/>
+                <a:cs typeface="Times New Roman" panose="02020603050405020304" pitchFamily="18" charset="0"/>
+              </a:rPr>
+              <a:t>MSE</a:t>
             </a:r>
             <a:r>
               <a:rPr lang="zh-TW" altLang="en-US" sz="2000" dirty="0">
@@ -12924,8 +13198,9 @@
             </a:pPr>
             <a:r>
               <a:rPr lang="en-US" altLang="zh-TW" sz="2000" dirty="0">
-                <a:latin typeface="標楷體" panose="03000509000000000000" pitchFamily="65" charset="-120"/>
-                <a:ea typeface="標楷體" panose="03000509000000000000" pitchFamily="65" charset="-120"/>
+                <a:latin typeface="Times New Roman" panose="02020603050405020304" pitchFamily="18" charset="0"/>
+                <a:ea typeface="標楷體" panose="03000509000000000000" pitchFamily="65" charset="-120"/>
+                <a:cs typeface="Times New Roman" panose="02020603050405020304" pitchFamily="18" charset="0"/>
               </a:rPr>
               <a:t>verify :</a:t>
             </a:r>
@@ -12955,7 +13230,15 @@
                 <a:latin typeface="標楷體" panose="03000509000000000000" pitchFamily="65" charset="-120"/>
                 <a:ea typeface="標楷體" panose="03000509000000000000" pitchFamily="65" charset="-120"/>
               </a:rPr>
-              <a:t>] MSE</a:t>
+              <a:t>] </a:t>
+            </a:r>
+            <a:r>
+              <a:rPr lang="en-US" altLang="zh-TW" sz="2000" dirty="0">
+                <a:latin typeface="Times New Roman" panose="02020603050405020304" pitchFamily="18" charset="0"/>
+                <a:ea typeface="標楷體" panose="03000509000000000000" pitchFamily="65" charset="-120"/>
+                <a:cs typeface="Times New Roman" panose="02020603050405020304" pitchFamily="18" charset="0"/>
+              </a:rPr>
+              <a:t>MSE</a:t>
             </a:r>
             <a:r>
               <a:rPr lang="zh-TW" altLang="en-US" sz="2000" dirty="0">
@@ -13018,15 +13301,17 @@
             </a:pPr>
             <a:r>
               <a:rPr lang="en-US" altLang="zh-TW" sz="2000" dirty="0" err="1">
-                <a:latin typeface="標楷體" panose="03000509000000000000" pitchFamily="65" charset="-120"/>
-                <a:ea typeface="標楷體" panose="03000509000000000000" pitchFamily="65" charset="-120"/>
+                <a:latin typeface="Times New Roman" panose="02020603050405020304" pitchFamily="18" charset="0"/>
+                <a:ea typeface="標楷體" panose="03000509000000000000" pitchFamily="65" charset="-120"/>
+                <a:cs typeface="Times New Roman" panose="02020603050405020304" pitchFamily="18" charset="0"/>
               </a:rPr>
               <a:t>best_feature_inx</a:t>
             </a:r>
             <a:r>
               <a:rPr lang="en-US" altLang="zh-TW" sz="2000" dirty="0">
-                <a:latin typeface="標楷體" panose="03000509000000000000" pitchFamily="65" charset="-120"/>
-                <a:ea typeface="標楷體" panose="03000509000000000000" pitchFamily="65" charset="-120"/>
+                <a:latin typeface="Times New Roman" panose="02020603050405020304" pitchFamily="18" charset="0"/>
+                <a:ea typeface="標楷體" panose="03000509000000000000" pitchFamily="65" charset="-120"/>
+                <a:cs typeface="Times New Roman" panose="02020603050405020304" pitchFamily="18" charset="0"/>
               </a:rPr>
               <a:t> :</a:t>
             </a:r>
@@ -13056,7 +13341,15 @@
                 <a:latin typeface="標楷體" panose="03000509000000000000" pitchFamily="65" charset="-120"/>
                 <a:ea typeface="標楷體" panose="03000509000000000000" pitchFamily="65" charset="-120"/>
               </a:rPr>
-              <a:t>=1*</a:t>
+              <a:t>=</a:t>
+            </a:r>
+            <a:r>
+              <a:rPr lang="en-US" altLang="zh-TW" sz="2000" dirty="0">
+                <a:latin typeface="Times New Roman" panose="02020603050405020304" pitchFamily="18" charset="0"/>
+                <a:ea typeface="標楷體" panose="03000509000000000000" pitchFamily="65" charset="-120"/>
+                <a:cs typeface="Times New Roman" panose="02020603050405020304" pitchFamily="18" charset="0"/>
+              </a:rPr>
+              <a:t>1*</a:t>
             </a:r>
             <a:r>
               <a:rPr lang="zh-TW" altLang="en-US" sz="2000" dirty="0">
@@ -13074,8 +13367,9 @@
             </a:r>
             <a:r>
               <a:rPr lang="en-US" altLang="zh-TW" sz="2000" dirty="0" err="1">
-                <a:latin typeface="標楷體" panose="03000509000000000000" pitchFamily="65" charset="-120"/>
-                <a:ea typeface="標楷體" panose="03000509000000000000" pitchFamily="65" charset="-120"/>
+                <a:latin typeface="Times New Roman" panose="02020603050405020304" pitchFamily="18" charset="0"/>
+                <a:ea typeface="標楷體" panose="03000509000000000000" pitchFamily="65" charset="-120"/>
+                <a:cs typeface="Times New Roman" panose="02020603050405020304" pitchFamily="18" charset="0"/>
               </a:rPr>
               <a:t>numFeats</a:t>
             </a:r>
@@ -14622,7 +14916,7 @@
         <p:spPr>
           <a:xfrm>
             <a:off x="3790888" y="2601191"/>
-            <a:ext cx="638771" cy="1477328"/>
+            <a:ext cx="638771" cy="1200329"/>
           </a:xfrm>
           <a:prstGeom prst="rect">
             <a:avLst/>
@@ -14640,7 +14934,7 @@
                 <a:latin typeface="標楷體" panose="03000509000000000000" pitchFamily="65" charset="-120"/>
                 <a:ea typeface="標楷體" panose="03000509000000000000" pitchFamily="65" charset="-120"/>
               </a:rPr>
-              <a:t>染色體數量</a:t>
+              <a:t>樹的數量</a:t>
             </a:r>
           </a:p>
         </p:txBody>
@@ -15035,7 +15329,7 @@
         <p:spPr>
           <a:xfrm>
             <a:off x="8560300" y="2601191"/>
-            <a:ext cx="638771" cy="1477328"/>
+            <a:ext cx="638771" cy="1200329"/>
           </a:xfrm>
           <a:prstGeom prst="rect">
             <a:avLst/>
@@ -15053,7 +15347,7 @@
                 <a:latin typeface="標楷體" panose="03000509000000000000" pitchFamily="65" charset="-120"/>
                 <a:ea typeface="標楷體" panose="03000509000000000000" pitchFamily="65" charset="-120"/>
               </a:rPr>
-              <a:t>染色體數量</a:t>
+              <a:t>樹的數量</a:t>
             </a:r>
           </a:p>
         </p:txBody>
@@ -15382,7 +15676,7 @@
     </p:spTree>
     <p:extLst>
       <p:ext uri="{BB962C8B-B14F-4D97-AF65-F5344CB8AC3E}">
-        <p14:creationId xmlns:p14="http://schemas.microsoft.com/office/powerpoint/2010/main" val="1538526700"/>
+        <p14:creationId xmlns:p14="http://schemas.microsoft.com/office/powerpoint/2010/main" val="1144573045"/>
       </p:ext>
     </p:extLst>
   </p:cSld>
@@ -18799,14 +19093,16 @@
             </a:r>
             <a:r>
               <a:rPr lang="en-US" altLang="zh-TW" dirty="0">
-                <a:latin typeface="標楷體" panose="03000509000000000000" pitchFamily="65" charset="-120"/>
-                <a:ea typeface="標楷體" panose="03000509000000000000" pitchFamily="65" charset="-120"/>
+                <a:latin typeface="Times New Roman" panose="02020603050405020304" pitchFamily="18" charset="0"/>
+                <a:ea typeface="標楷體" panose="03000509000000000000" pitchFamily="65" charset="-120"/>
+                <a:cs typeface="Times New Roman" panose="02020603050405020304" pitchFamily="18" charset="0"/>
               </a:rPr>
               <a:t>fitness</a:t>
             </a:r>
             <a:endParaRPr lang="zh-TW" altLang="en-US" dirty="0">
-              <a:latin typeface="標楷體" panose="03000509000000000000" pitchFamily="65" charset="-120"/>
+              <a:latin typeface="Times New Roman" panose="02020603050405020304" pitchFamily="18" charset="0"/>
               <a:ea typeface="標楷體" panose="03000509000000000000" pitchFamily="65" charset="-120"/>
+              <a:cs typeface="Times New Roman" panose="02020603050405020304" pitchFamily="18" charset="0"/>
             </a:endParaRPr>
           </a:p>
         </p:txBody>
@@ -18978,14 +19274,16 @@
             </a:r>
             <a:r>
               <a:rPr lang="en-US" altLang="zh-TW" dirty="0">
-                <a:latin typeface="標楷體" panose="03000509000000000000" pitchFamily="65" charset="-120"/>
-                <a:ea typeface="標楷體" panose="03000509000000000000" pitchFamily="65" charset="-120"/>
+                <a:latin typeface="Times New Roman" panose="02020603050405020304" pitchFamily="18" charset="0"/>
+                <a:ea typeface="標楷體" panose="03000509000000000000" pitchFamily="65" charset="-120"/>
+                <a:cs typeface="Times New Roman" panose="02020603050405020304" pitchFamily="18" charset="0"/>
               </a:rPr>
               <a:t>fitness</a:t>
             </a:r>
             <a:endParaRPr lang="zh-TW" altLang="en-US" dirty="0">
-              <a:latin typeface="標楷體" panose="03000509000000000000" pitchFamily="65" charset="-120"/>
+              <a:latin typeface="Times New Roman" panose="02020603050405020304" pitchFamily="18" charset="0"/>
               <a:ea typeface="標楷體" panose="03000509000000000000" pitchFamily="65" charset="-120"/>
+              <a:cs typeface="Times New Roman" panose="02020603050405020304" pitchFamily="18" charset="0"/>
             </a:endParaRPr>
           </a:p>
         </p:txBody>
